--- a/Docs/DS Project.pptx
+++ b/Docs/DS Project.pptx
@@ -8,7 +8,8 @@
     <p:sldId id="256" r:id="rId2"/>
     <p:sldId id="257" r:id="rId3"/>
     <p:sldId id="258" r:id="rId4"/>
-    <p:sldId id="259" r:id="rId5"/>
+    <p:sldId id="260" r:id="rId5"/>
+    <p:sldId id="259" r:id="rId6"/>
   </p:sldIdLst>
   <p:sldSz cx="12192000" cy="6858000"/>
   <p:notesSz cx="6858000" cy="9144000"/>
@@ -107,6 +108,11 @@
       </a:defRPr>
     </a:lvl9pPr>
   </p:defaultTextStyle>
+  <p:extLst>
+    <p:ext uri="{EFAFB233-063F-42B5-8137-9DF3F51BA10A}">
+      <p15:sldGuideLst xmlns:p15="http://schemas.microsoft.com/office/powerpoint/2012/main"/>
+    </p:ext>
+  </p:extLst>
 </p:presentation>
 </file>
 
@@ -241,7 +247,7 @@
           <a:p>
             <a:fld id="{538B9924-409F-47E6-B599-78EC91E3946A}" type="datetimeFigureOut">
               <a:rPr lang="en-US" smtClean="0"/>
-              <a:t>4/23/2018</a:t>
+              <a:t>4/24/2018</a:t>
             </a:fld>
             <a:endParaRPr lang="en-US"/>
           </a:p>
@@ -411,7 +417,7 @@
           <a:p>
             <a:fld id="{538B9924-409F-47E6-B599-78EC91E3946A}" type="datetimeFigureOut">
               <a:rPr lang="en-US" smtClean="0"/>
-              <a:t>4/23/2018</a:t>
+              <a:t>4/24/2018</a:t>
             </a:fld>
             <a:endParaRPr lang="en-US"/>
           </a:p>
@@ -591,7 +597,7 @@
           <a:p>
             <a:fld id="{538B9924-409F-47E6-B599-78EC91E3946A}" type="datetimeFigureOut">
               <a:rPr lang="en-US" smtClean="0"/>
-              <a:t>4/23/2018</a:t>
+              <a:t>4/24/2018</a:t>
             </a:fld>
             <a:endParaRPr lang="en-US"/>
           </a:p>
@@ -761,7 +767,7 @@
           <a:p>
             <a:fld id="{538B9924-409F-47E6-B599-78EC91E3946A}" type="datetimeFigureOut">
               <a:rPr lang="en-US" smtClean="0"/>
-              <a:t>4/23/2018</a:t>
+              <a:t>4/24/2018</a:t>
             </a:fld>
             <a:endParaRPr lang="en-US"/>
           </a:p>
@@ -1007,7 +1013,7 @@
           <a:p>
             <a:fld id="{538B9924-409F-47E6-B599-78EC91E3946A}" type="datetimeFigureOut">
               <a:rPr lang="en-US" smtClean="0"/>
-              <a:t>4/23/2018</a:t>
+              <a:t>4/24/2018</a:t>
             </a:fld>
             <a:endParaRPr lang="en-US"/>
           </a:p>
@@ -1239,7 +1245,7 @@
           <a:p>
             <a:fld id="{538B9924-409F-47E6-B599-78EC91E3946A}" type="datetimeFigureOut">
               <a:rPr lang="en-US" smtClean="0"/>
-              <a:t>4/23/2018</a:t>
+              <a:t>4/24/2018</a:t>
             </a:fld>
             <a:endParaRPr lang="en-US"/>
           </a:p>
@@ -1606,7 +1612,7 @@
           <a:p>
             <a:fld id="{538B9924-409F-47E6-B599-78EC91E3946A}" type="datetimeFigureOut">
               <a:rPr lang="en-US" smtClean="0"/>
-              <a:t>4/23/2018</a:t>
+              <a:t>4/24/2018</a:t>
             </a:fld>
             <a:endParaRPr lang="en-US"/>
           </a:p>
@@ -1724,7 +1730,7 @@
           <a:p>
             <a:fld id="{538B9924-409F-47E6-B599-78EC91E3946A}" type="datetimeFigureOut">
               <a:rPr lang="en-US" smtClean="0"/>
-              <a:t>4/23/2018</a:t>
+              <a:t>4/24/2018</a:t>
             </a:fld>
             <a:endParaRPr lang="en-US"/>
           </a:p>
@@ -1819,7 +1825,7 @@
           <a:p>
             <a:fld id="{538B9924-409F-47E6-B599-78EC91E3946A}" type="datetimeFigureOut">
               <a:rPr lang="en-US" smtClean="0"/>
-              <a:t>4/23/2018</a:t>
+              <a:t>4/24/2018</a:t>
             </a:fld>
             <a:endParaRPr lang="en-US"/>
           </a:p>
@@ -2096,7 +2102,7 @@
           <a:p>
             <a:fld id="{538B9924-409F-47E6-B599-78EC91E3946A}" type="datetimeFigureOut">
               <a:rPr lang="en-US" smtClean="0"/>
-              <a:t>4/23/2018</a:t>
+              <a:t>4/24/2018</a:t>
             </a:fld>
             <a:endParaRPr lang="en-US"/>
           </a:p>
@@ -2349,7 +2355,7 @@
           <a:p>
             <a:fld id="{538B9924-409F-47E6-B599-78EC91E3946A}" type="datetimeFigureOut">
               <a:rPr lang="en-US" smtClean="0"/>
-              <a:t>4/23/2018</a:t>
+              <a:t>4/24/2018</a:t>
             </a:fld>
             <a:endParaRPr lang="en-US"/>
           </a:p>
@@ -2562,7 +2568,7 @@
           <a:p>
             <a:fld id="{538B9924-409F-47E6-B599-78EC91E3946A}" type="datetimeFigureOut">
               <a:rPr lang="en-US" smtClean="0"/>
-              <a:t>4/23/2018</a:t>
+              <a:t>4/24/2018</a:t>
             </a:fld>
             <a:endParaRPr lang="en-US"/>
           </a:p>
@@ -3175,10 +3181,16 @@
           <a:lstStyle/>
           <a:p>
             <a:r>
-              <a:rPr lang="ko-KR" altLang="en-US" dirty="0" smtClean="0"/>
+              <a:rPr lang="ko-KR" altLang="en-US" dirty="0" smtClean="0">
+                <a:latin typeface="a옛날사진관3" panose="02020600000000000000" pitchFamily="18" charset="-127"/>
+                <a:ea typeface="a옛날사진관3" panose="02020600000000000000" pitchFamily="18" charset="-127"/>
+              </a:rPr>
               <a:t>소개</a:t>
             </a:r>
-            <a:endParaRPr lang="en-US" dirty="0"/>
+            <a:endParaRPr lang="en-US" dirty="0">
+              <a:latin typeface="a옛날사진관3" panose="02020600000000000000" pitchFamily="18" charset="-127"/>
+              <a:ea typeface="a옛날사진관3" panose="02020600000000000000" pitchFamily="18" charset="-127"/>
+            </a:endParaRPr>
           </a:p>
         </p:txBody>
       </p:sp>
@@ -3198,15 +3210,24 @@
           <a:lstStyle/>
           <a:p>
             <a:r>
-              <a:rPr lang="en-US" dirty="0" smtClean="0"/>
+              <a:rPr lang="en-US" dirty="0" smtClean="0">
+                <a:latin typeface="a옛날사진관2" panose="02020600000000000000" pitchFamily="18" charset="-127"/>
+                <a:ea typeface="a옛날사진관2" panose="02020600000000000000" pitchFamily="18" charset="-127"/>
+              </a:rPr>
               <a:t>PPT </a:t>
             </a:r>
             <a:r>
-              <a:rPr lang="ko-KR" altLang="en-US" dirty="0" smtClean="0"/>
+              <a:rPr lang="ko-KR" altLang="en-US" dirty="0" smtClean="0">
+                <a:latin typeface="a옛날사진관2" panose="02020600000000000000" pitchFamily="18" charset="-127"/>
+                <a:ea typeface="a옛날사진관2" panose="02020600000000000000" pitchFamily="18" charset="-127"/>
+              </a:rPr>
               <a:t>제작으로 하루의 소중한 시간을 날리는 한과영 학생들을 위한 자동 템플릿 조정 프로그램입니다</a:t>
             </a:r>
             <a:r>
-              <a:rPr lang="en-US" altLang="ko-KR" dirty="0" smtClean="0"/>
+              <a:rPr lang="en-US" altLang="ko-KR" dirty="0" smtClean="0">
+                <a:latin typeface="a옛날사진관2" panose="02020600000000000000" pitchFamily="18" charset="-127"/>
+                <a:ea typeface="a옛날사진관2" panose="02020600000000000000" pitchFamily="18" charset="-127"/>
+              </a:rPr>
               <a:t>.</a:t>
             </a:r>
           </a:p>
@@ -3215,10 +3236,16 @@
               <a:buNone/>
             </a:pPr>
             <a:r>
-              <a:rPr lang="en-US" altLang="ko-KR" dirty="0" smtClean="0"/>
+              <a:rPr lang="en-US" altLang="ko-KR" dirty="0" smtClean="0">
+                <a:latin typeface="a옛날사진관2" panose="02020600000000000000" pitchFamily="18" charset="-127"/>
+                <a:ea typeface="a옛날사진관2" panose="02020600000000000000" pitchFamily="18" charset="-127"/>
+              </a:rPr>
               <a:t> </a:t>
             </a:r>
-            <a:endParaRPr lang="en-US" dirty="0"/>
+            <a:endParaRPr lang="en-US" dirty="0">
+              <a:latin typeface="a옛날사진관2" panose="02020600000000000000" pitchFamily="18" charset="-127"/>
+              <a:ea typeface="a옛날사진관2" panose="02020600000000000000" pitchFamily="18" charset="-127"/>
+            </a:endParaRPr>
           </a:p>
         </p:txBody>
       </p:sp>
@@ -3356,10 +3383,16 @@
           <a:lstStyle/>
           <a:p>
             <a:r>
-              <a:rPr lang="ko-KR" altLang="en-US" dirty="0" err="1" smtClean="0"/>
-              <a:t>구현범위</a:t>
-            </a:r>
-            <a:endParaRPr lang="en-US" dirty="0"/>
+              <a:rPr lang="ko-KR" altLang="en-US" dirty="0" smtClean="0">
+                <a:latin typeface="a옛날사진관3" panose="02020600000000000000" pitchFamily="18" charset="-127"/>
+                <a:ea typeface="a옛날사진관3" panose="02020600000000000000" pitchFamily="18" charset="-127"/>
+              </a:rPr>
+              <a:t>목표</a:t>
+            </a:r>
+            <a:endParaRPr lang="en-US" dirty="0">
+              <a:latin typeface="a옛날사진관3" panose="02020600000000000000" pitchFamily="18" charset="-127"/>
+              <a:ea typeface="a옛날사진관3" panose="02020600000000000000" pitchFamily="18" charset="-127"/>
+            </a:endParaRPr>
           </a:p>
         </p:txBody>
       </p:sp>
@@ -3384,58 +3417,100 @@
           <a:lstStyle/>
           <a:p>
             <a:r>
-              <a:rPr lang="ko-KR" altLang="en-US" dirty="0" smtClean="0"/>
+              <a:rPr lang="ko-KR" altLang="en-US" dirty="0" smtClean="0">
+                <a:latin typeface="a옛날사진관2" panose="02020600000000000000" pitchFamily="18" charset="-127"/>
+                <a:ea typeface="a옛날사진관2" panose="02020600000000000000" pitchFamily="18" charset="-127"/>
+              </a:rPr>
               <a:t>기본적인 흰 바탕에 검은 글씨로 된 </a:t>
             </a:r>
             <a:r>
-              <a:rPr lang="en-US" altLang="ko-KR" dirty="0" smtClean="0"/>
+              <a:rPr lang="en-US" altLang="ko-KR" dirty="0" smtClean="0">
+                <a:latin typeface="a옛날사진관2" panose="02020600000000000000" pitchFamily="18" charset="-127"/>
+                <a:ea typeface="a옛날사진관2" panose="02020600000000000000" pitchFamily="18" charset="-127"/>
+              </a:rPr>
               <a:t>PPT</a:t>
             </a:r>
             <a:r>
-              <a:rPr lang="ko-KR" altLang="en-US" dirty="0"/>
+              <a:rPr lang="ko-KR" altLang="en-US" dirty="0">
+                <a:latin typeface="a옛날사진관2" panose="02020600000000000000" pitchFamily="18" charset="-127"/>
+                <a:ea typeface="a옛날사진관2" panose="02020600000000000000" pitchFamily="18" charset="-127"/>
+              </a:rPr>
               <a:t>와</a:t>
             </a:r>
             <a:r>
-              <a:rPr lang="ko-KR" altLang="en-US" dirty="0" smtClean="0"/>
+              <a:rPr lang="ko-KR" altLang="en-US" dirty="0" smtClean="0">
+                <a:latin typeface="a옛날사진관2" panose="02020600000000000000" pitchFamily="18" charset="-127"/>
+                <a:ea typeface="a옛날사진관2" panose="02020600000000000000" pitchFamily="18" charset="-127"/>
+              </a:rPr>
               <a:t> 적용시키고 싶은 템플릿을 가진 </a:t>
             </a:r>
             <a:r>
-              <a:rPr lang="ko-KR" altLang="en-US" dirty="0"/>
+              <a:rPr lang="ko-KR" altLang="en-US" dirty="0">
+                <a:latin typeface="a옛날사진관2" panose="02020600000000000000" pitchFamily="18" charset="-127"/>
+                <a:ea typeface="a옛날사진관2" panose="02020600000000000000" pitchFamily="18" charset="-127"/>
+              </a:rPr>
               <a:t>샘</a:t>
             </a:r>
             <a:r>
-              <a:rPr lang="ko-KR" altLang="en-US" dirty="0" smtClean="0"/>
+              <a:rPr lang="ko-KR" altLang="en-US" dirty="0" smtClean="0">
+                <a:latin typeface="a옛날사진관2" panose="02020600000000000000" pitchFamily="18" charset="-127"/>
+                <a:ea typeface="a옛날사진관2" panose="02020600000000000000" pitchFamily="18" charset="-127"/>
+              </a:rPr>
               <a:t>플 </a:t>
             </a:r>
             <a:r>
-              <a:rPr lang="en-US" altLang="ko-KR" dirty="0" smtClean="0"/>
+              <a:rPr lang="en-US" altLang="ko-KR" dirty="0" smtClean="0">
+                <a:latin typeface="a옛날사진관2" panose="02020600000000000000" pitchFamily="18" charset="-127"/>
+                <a:ea typeface="a옛날사진관2" panose="02020600000000000000" pitchFamily="18" charset="-127"/>
+              </a:rPr>
               <a:t>PPT</a:t>
             </a:r>
             <a:r>
-              <a:rPr lang="ko-KR" altLang="en-US" dirty="0" smtClean="0"/>
+              <a:rPr lang="ko-KR" altLang="en-US" dirty="0" smtClean="0">
+                <a:latin typeface="a옛날사진관2" panose="02020600000000000000" pitchFamily="18" charset="-127"/>
+                <a:ea typeface="a옛날사진관2" panose="02020600000000000000" pitchFamily="18" charset="-127"/>
+              </a:rPr>
               <a:t>가 있으면 기본 </a:t>
             </a:r>
             <a:r>
-              <a:rPr lang="en-US" altLang="ko-KR" dirty="0" smtClean="0"/>
+              <a:rPr lang="en-US" altLang="ko-KR" dirty="0" smtClean="0">
+                <a:latin typeface="a옛날사진관2" panose="02020600000000000000" pitchFamily="18" charset="-127"/>
+                <a:ea typeface="a옛날사진관2" panose="02020600000000000000" pitchFamily="18" charset="-127"/>
+              </a:rPr>
               <a:t>PPT</a:t>
             </a:r>
             <a:r>
-              <a:rPr lang="ko-KR" altLang="en-US" dirty="0" smtClean="0"/>
+              <a:rPr lang="ko-KR" altLang="en-US" dirty="0" smtClean="0">
+                <a:latin typeface="a옛날사진관2" panose="02020600000000000000" pitchFamily="18" charset="-127"/>
+                <a:ea typeface="a옛날사진관2" panose="02020600000000000000" pitchFamily="18" charset="-127"/>
+              </a:rPr>
               <a:t>에 해당 템플릿을 적용시킨 </a:t>
             </a:r>
             <a:r>
-              <a:rPr lang="en-US" altLang="ko-KR" dirty="0" smtClean="0"/>
+              <a:rPr lang="en-US" altLang="ko-KR" dirty="0" smtClean="0">
+                <a:latin typeface="a옛날사진관2" panose="02020600000000000000" pitchFamily="18" charset="-127"/>
+                <a:ea typeface="a옛날사진관2" panose="02020600000000000000" pitchFamily="18" charset="-127"/>
+              </a:rPr>
               <a:t>PPT</a:t>
             </a:r>
             <a:r>
-              <a:rPr lang="ko-KR" altLang="en-US" dirty="0" smtClean="0"/>
+              <a:rPr lang="ko-KR" altLang="en-US" dirty="0" smtClean="0">
+                <a:latin typeface="a옛날사진관2" panose="02020600000000000000" pitchFamily="18" charset="-127"/>
+                <a:ea typeface="a옛날사진관2" panose="02020600000000000000" pitchFamily="18" charset="-127"/>
+              </a:rPr>
               <a:t>를 생성한다</a:t>
             </a:r>
             <a:r>
-              <a:rPr lang="en-US" altLang="ko-KR" dirty="0" smtClean="0"/>
+              <a:rPr lang="en-US" altLang="ko-KR" dirty="0" smtClean="0">
+                <a:latin typeface="a옛날사진관2" panose="02020600000000000000" pitchFamily="18" charset="-127"/>
+                <a:ea typeface="a옛날사진관2" panose="02020600000000000000" pitchFamily="18" charset="-127"/>
+              </a:rPr>
               <a:t>.</a:t>
             </a:r>
-            <a:endParaRPr lang="en-US" dirty="0"/>
+            <a:endParaRPr lang="en-US" dirty="0">
+              <a:latin typeface="a옛날사진관2" panose="02020600000000000000" pitchFamily="18" charset="-127"/>
+              <a:ea typeface="a옛날사진관2" panose="02020600000000000000" pitchFamily="18" charset="-127"/>
+            </a:endParaRPr>
           </a:p>
         </p:txBody>
       </p:sp>
@@ -3686,6 +3761,13 @@
   <p:clrMapOvr>
     <a:masterClrMapping/>
   </p:clrMapOvr>
+  <p:timing>
+    <p:tnLst>
+      <p:par>
+        <p:cTn id="1" dur="indefinite" restart="never" nodeType="tmRoot"/>
+      </p:par>
+    </p:tnLst>
+  </p:timing>
 </p:sld>
 </file>
 
@@ -3708,146 +3790,25 @@
       </p:grpSpPr>
       <p:sp>
         <p:nvSpPr>
-          <p:cNvPr id="2" name="제목 1"/>
-          <p:cNvSpPr>
-            <a:spLocks noGrp="1"/>
-          </p:cNvSpPr>
-          <p:nvPr>
-            <p:ph type="title"/>
-          </p:nvPr>
-        </p:nvSpPr>
-        <p:spPr>
-          <a:xfrm>
-            <a:off x="838200" y="144871"/>
-            <a:ext cx="10515600" cy="1325563"/>
-          </a:xfrm>
-        </p:spPr>
-        <p:txBody>
-          <a:bodyPr/>
-          <a:lstStyle/>
-          <a:p>
-            <a:r>
-              <a:rPr lang="ko-KR" altLang="en-US" dirty="0" smtClean="0"/>
-              <a:t>일정</a:t>
-            </a:r>
-            <a:endParaRPr lang="en-US" dirty="0"/>
-          </a:p>
-        </p:txBody>
-      </p:sp>
-      <p:sp>
-        <p:nvSpPr>
-          <p:cNvPr id="3" name="내용 개체 틀 2"/>
-          <p:cNvSpPr>
-            <a:spLocks noGrp="1"/>
-          </p:cNvSpPr>
-          <p:nvPr>
-            <p:ph idx="1"/>
-          </p:nvPr>
-        </p:nvSpPr>
-        <p:spPr>
-          <a:xfrm>
-            <a:off x="7113600" y="1825625"/>
-            <a:ext cx="4240200" cy="4351338"/>
-          </a:xfrm>
-        </p:spPr>
-        <p:txBody>
-          <a:bodyPr/>
-          <a:lstStyle/>
-          <a:p>
-            <a:endParaRPr lang="en-US" altLang="ko-KR" dirty="0" smtClean="0"/>
-          </a:p>
-        </p:txBody>
-      </p:sp>
-      <p:pic>
-        <p:nvPicPr>
-          <p:cNvPr id="4" name="그림 3"/>
-          <p:cNvPicPr>
-            <a:picLocks noChangeAspect="1"/>
-          </p:cNvPicPr>
+          <p:cNvPr id="4" name="직사각형 3"/>
+          <p:cNvSpPr/>
           <p:nvPr/>
-        </p:nvPicPr>
-        <p:blipFill rotWithShape="1">
-          <a:blip r:embed="rId2"/>
-          <a:srcRect t="66837"/>
-          <a:stretch/>
-        </p:blipFill>
-        <p:spPr>
-          <a:xfrm>
-            <a:off x="838200" y="1208288"/>
-            <a:ext cx="5764312" cy="1612987"/>
+        </p:nvSpPr>
+        <p:spPr>
+          <a:xfrm>
+            <a:off x="479778" y="118537"/>
+            <a:ext cx="5006622" cy="3268133"/>
           </a:xfrm>
           <a:prstGeom prst="rect">
             <a:avLst/>
           </a:prstGeom>
-        </p:spPr>
-      </p:pic>
-      <p:pic>
-        <p:nvPicPr>
-          <p:cNvPr id="5" name="그림 4"/>
-          <p:cNvPicPr>
-            <a:picLocks noChangeAspect="1"/>
-          </p:cNvPicPr>
-          <p:nvPr/>
-        </p:nvPicPr>
-        <p:blipFill rotWithShape="1">
-          <a:blip r:embed="rId3"/>
-          <a:srcRect t="20566"/>
-          <a:stretch/>
-        </p:blipFill>
-        <p:spPr>
-          <a:xfrm>
-            <a:off x="838201" y="2821275"/>
-            <a:ext cx="5764311" cy="3152949"/>
-          </a:xfrm>
-          <a:prstGeom prst="rect">
-            <a:avLst/>
-          </a:prstGeom>
-        </p:spPr>
-      </p:pic>
-      <p:pic>
-        <p:nvPicPr>
-          <p:cNvPr id="6" name="그림 5"/>
-          <p:cNvPicPr>
-            <a:picLocks noChangeAspect="1"/>
-          </p:cNvPicPr>
-          <p:nvPr/>
-        </p:nvPicPr>
-        <p:blipFill rotWithShape="1">
-          <a:blip r:embed="rId4"/>
-          <a:srcRect b="47838"/>
-          <a:stretch/>
-        </p:blipFill>
-        <p:spPr>
-          <a:xfrm>
-            <a:off x="838200" y="5974225"/>
-            <a:ext cx="5764312" cy="808176"/>
-          </a:xfrm>
-          <a:prstGeom prst="rect">
-            <a:avLst/>
-          </a:prstGeom>
-        </p:spPr>
-      </p:pic>
-      <p:sp>
-        <p:nvSpPr>
-          <p:cNvPr id="7" name="도넛 6"/>
-          <p:cNvSpPr/>
-          <p:nvPr/>
-        </p:nvSpPr>
-        <p:spPr>
-          <a:xfrm>
-            <a:off x="4989600" y="5974224"/>
-            <a:ext cx="712800" cy="712800"/>
-          </a:xfrm>
-          <a:prstGeom prst="donut">
-            <a:avLst>
-              <a:gd name="adj" fmla="val 13182"/>
-            </a:avLst>
-          </a:prstGeom>
           <a:solidFill>
-            <a:srgbClr val="FF0000"/>
+            <a:schemeClr val="bg1"/>
           </a:solidFill>
           <a:ln>
-            <a:noFill/>
+            <a:solidFill>
+              <a:schemeClr val="tx1"/>
+            </a:solidFill>
           </a:ln>
         </p:spPr>
         <p:style>
@@ -3872,34 +3833,36 @@
           <a:p>
             <a:pPr algn="ctr"/>
             <a:endParaRPr lang="en-US">
-              <a:solidFill>
-                <a:schemeClr val="tx1"/>
-              </a:solidFill>
+              <a:latin typeface="a옛날사진관2" panose="02020600000000000000" pitchFamily="18" charset="-127"/>
+              <a:ea typeface="a옛날사진관2" panose="02020600000000000000" pitchFamily="18" charset="-127"/>
             </a:endParaRPr>
           </a:p>
         </p:txBody>
       </p:sp>
       <p:sp>
         <p:nvSpPr>
-          <p:cNvPr id="8" name="도넛 7"/>
+          <p:cNvPr id="5" name="직사각형 4"/>
           <p:cNvSpPr/>
           <p:nvPr/>
         </p:nvSpPr>
         <p:spPr>
           <a:xfrm>
-            <a:off x="4191600" y="5974224"/>
-            <a:ext cx="712800" cy="712800"/>
-          </a:xfrm>
-          <a:prstGeom prst="donut">
-            <a:avLst>
-              <a:gd name="adj" fmla="val 13182"/>
-            </a:avLst>
+            <a:off x="6163734" y="118537"/>
+            <a:ext cx="5006622" cy="3268133"/>
+          </a:xfrm>
+          <a:prstGeom prst="rect">
+            <a:avLst/>
           </a:prstGeom>
-          <a:solidFill>
-            <a:srgbClr val="FF0000"/>
-          </a:solidFill>
+          <a:blipFill>
+            <a:blip r:embed="rId2"/>
+            <a:stretch>
+              <a:fillRect/>
+            </a:stretch>
+          </a:blipFill>
           <a:ln>
-            <a:noFill/>
+            <a:solidFill>
+              <a:schemeClr val="tx1"/>
+            </a:solidFill>
           </a:ln>
         </p:spPr>
         <p:style>
@@ -3923,35 +3886,31 @@
           <a:lstStyle/>
           <a:p>
             <a:pPr algn="ctr"/>
-            <a:endParaRPr lang="en-US">
-              <a:solidFill>
-                <a:schemeClr val="tx1"/>
-              </a:solidFill>
-            </a:endParaRPr>
-          </a:p>
-        </p:txBody>
-      </p:sp>
-      <p:sp>
-        <p:nvSpPr>
-          <p:cNvPr id="9" name="도넛 8"/>
+            <a:endParaRPr lang="en-US"/>
+          </a:p>
+        </p:txBody>
+      </p:sp>
+      <p:sp>
+        <p:nvSpPr>
+          <p:cNvPr id="8" name="직사각형 7"/>
           <p:cNvSpPr/>
           <p:nvPr/>
         </p:nvSpPr>
         <p:spPr>
           <a:xfrm>
-            <a:off x="4191600" y="4458494"/>
-            <a:ext cx="712800" cy="712800"/>
-          </a:xfrm>
-          <a:prstGeom prst="donut">
-            <a:avLst>
-              <a:gd name="adj" fmla="val 13182"/>
-            </a:avLst>
+            <a:off x="479778" y="118537"/>
+            <a:ext cx="5006622" cy="778933"/>
+          </a:xfrm>
+          <a:prstGeom prst="rect">
+            <a:avLst/>
           </a:prstGeom>
           <a:solidFill>
-            <a:srgbClr val="FF0000"/>
+            <a:schemeClr val="bg1"/>
           </a:solidFill>
           <a:ln>
-            <a:noFill/>
+            <a:solidFill>
+              <a:schemeClr val="tx1"/>
+            </a:solidFill>
           </a:ln>
         </p:spPr>
         <p:style>
@@ -3975,33 +3934,47 @@
           <a:lstStyle/>
           <a:p>
             <a:pPr algn="ctr"/>
-            <a:endParaRPr lang="en-US">
+            <a:r>
+              <a:rPr lang="ko-KR" altLang="en-US" smtClean="0">
+                <a:solidFill>
+                  <a:schemeClr val="tx1"/>
+                </a:solidFill>
+                <a:latin typeface="a옛날사진관2" panose="02020600000000000000" pitchFamily="18" charset="-127"/>
+                <a:ea typeface="a옛날사진관2" panose="02020600000000000000" pitchFamily="18" charset="-127"/>
+              </a:rPr>
+              <a:t>슬라이드 제목</a:t>
+            </a:r>
+            <a:endParaRPr lang="en-US" dirty="0">
               <a:solidFill>
                 <a:schemeClr val="tx1"/>
               </a:solidFill>
+              <a:latin typeface="a옛날사진관2" panose="02020600000000000000" pitchFamily="18" charset="-127"/>
+              <a:ea typeface="a옛날사진관2" panose="02020600000000000000" pitchFamily="18" charset="-127"/>
             </a:endParaRPr>
           </a:p>
         </p:txBody>
       </p:sp>
       <p:sp>
         <p:nvSpPr>
-          <p:cNvPr id="10" name="이등변 삼각형 9"/>
+          <p:cNvPr id="10" name="직사각형 9"/>
           <p:cNvSpPr/>
           <p:nvPr/>
         </p:nvSpPr>
         <p:spPr>
           <a:xfrm>
-            <a:off x="5855816" y="1360030"/>
-            <a:ext cx="668160" cy="576000"/>
-          </a:xfrm>
-          <a:prstGeom prst="triangle">
+            <a:off x="479778" y="897470"/>
+            <a:ext cx="5006622" cy="2489200"/>
+          </a:xfrm>
+          <a:prstGeom prst="rect">
             <a:avLst/>
           </a:prstGeom>
           <a:solidFill>
-            <a:srgbClr val="0070C0"/>
+            <a:schemeClr val="bg1"/>
           </a:solidFill>
           <a:ln>
-            <a:noFill/>
+            <a:solidFill>
+              <a:schemeClr val="tx1"/>
+            </a:solidFill>
           </a:ln>
         </p:spPr>
         <p:style>
@@ -4025,27 +3998,640 @@
           <a:lstStyle/>
           <a:p>
             <a:pPr algn="ctr"/>
-            <a:endParaRPr lang="en-US"/>
-          </a:p>
-        </p:txBody>
-      </p:sp>
-      <p:sp>
-        <p:nvSpPr>
-          <p:cNvPr id="11" name="직사각형 10"/>
+            <a:endParaRPr lang="en-US" dirty="0">
+              <a:solidFill>
+                <a:schemeClr val="tx1"/>
+              </a:solidFill>
+              <a:latin typeface="a옛날사진관2" panose="02020600000000000000" pitchFamily="18" charset="-127"/>
+              <a:ea typeface="a옛날사진관2" panose="02020600000000000000" pitchFamily="18" charset="-127"/>
+            </a:endParaRPr>
+          </a:p>
+        </p:txBody>
+      </p:sp>
+      <p:grpSp>
+        <p:nvGrpSpPr>
+          <p:cNvPr id="18" name="그룹 17"/>
+          <p:cNvGrpSpPr/>
+          <p:nvPr/>
+        </p:nvGrpSpPr>
+        <p:grpSpPr>
+          <a:xfrm>
+            <a:off x="479779" y="897470"/>
+            <a:ext cx="1631244" cy="2489200"/>
+            <a:chOff x="479778" y="1145822"/>
+            <a:chExt cx="1738489" cy="2489200"/>
+          </a:xfrm>
+        </p:grpSpPr>
+        <p:sp>
+          <p:nvSpPr>
+            <p:cNvPr id="11" name="직사각형 10"/>
+            <p:cNvSpPr/>
+            <p:nvPr/>
+          </p:nvSpPr>
+          <p:spPr>
+            <a:xfrm>
+              <a:off x="479778" y="1145822"/>
+              <a:ext cx="1738489" cy="2489200"/>
+            </a:xfrm>
+            <a:prstGeom prst="rect">
+              <a:avLst/>
+            </a:prstGeom>
+            <a:solidFill>
+              <a:schemeClr val="bg1"/>
+            </a:solidFill>
+            <a:ln>
+              <a:solidFill>
+                <a:schemeClr val="tx1"/>
+              </a:solidFill>
+            </a:ln>
+          </p:spPr>
+          <p:style>
+            <a:lnRef idx="2">
+              <a:schemeClr val="accent1">
+                <a:shade val="50000"/>
+              </a:schemeClr>
+            </a:lnRef>
+            <a:fillRef idx="1">
+              <a:schemeClr val="accent1"/>
+            </a:fillRef>
+            <a:effectRef idx="0">
+              <a:schemeClr val="accent1"/>
+            </a:effectRef>
+            <a:fontRef idx="minor">
+              <a:schemeClr val="lt1"/>
+            </a:fontRef>
+          </p:style>
+          <p:txBody>
+            <a:bodyPr rtlCol="0" anchor="ctr"/>
+            <a:lstStyle/>
+            <a:p>
+              <a:pPr algn="ctr"/>
+              <a:endParaRPr lang="en-US" dirty="0">
+                <a:latin typeface="a옛날사진관2" panose="02020600000000000000" pitchFamily="18" charset="-127"/>
+                <a:ea typeface="a옛날사진관2" panose="02020600000000000000" pitchFamily="18" charset="-127"/>
+              </a:endParaRPr>
+            </a:p>
+            <a:p>
+              <a:pPr algn="ctr"/>
+              <a:endParaRPr lang="en-US" dirty="0" smtClean="0">
+                <a:latin typeface="a옛날사진관2" panose="02020600000000000000" pitchFamily="18" charset="-127"/>
+                <a:ea typeface="a옛날사진관2" panose="02020600000000000000" pitchFamily="18" charset="-127"/>
+              </a:endParaRPr>
+            </a:p>
+            <a:p>
+              <a:pPr algn="ctr"/>
+              <a:endParaRPr lang="en-US" altLang="ko-KR" dirty="0" smtClean="0">
+                <a:solidFill>
+                  <a:schemeClr val="tx1"/>
+                </a:solidFill>
+                <a:latin typeface="a옛날사진관2" panose="02020600000000000000" pitchFamily="18" charset="-127"/>
+                <a:ea typeface="a옛날사진관2" panose="02020600000000000000" pitchFamily="18" charset="-127"/>
+              </a:endParaRPr>
+            </a:p>
+            <a:p>
+              <a:pPr algn="ctr"/>
+              <a:r>
+                <a:rPr lang="ko-KR" altLang="en-US" dirty="0" smtClean="0">
+                  <a:solidFill>
+                    <a:schemeClr val="tx1"/>
+                  </a:solidFill>
+                  <a:latin typeface="a옛날사진관2" panose="02020600000000000000" pitchFamily="18" charset="-127"/>
+                  <a:ea typeface="a옛날사진관2" panose="02020600000000000000" pitchFamily="18" charset="-127"/>
+                </a:rPr>
+                <a:t>캡션</a:t>
+              </a:r>
+              <a:r>
+                <a:rPr lang="en-US" altLang="ko-KR" dirty="0" smtClean="0">
+                  <a:solidFill>
+                    <a:schemeClr val="tx1"/>
+                  </a:solidFill>
+                  <a:latin typeface="a옛날사진관2" panose="02020600000000000000" pitchFamily="18" charset="-127"/>
+                  <a:ea typeface="a옛날사진관2" panose="02020600000000000000" pitchFamily="18" charset="-127"/>
+                </a:rPr>
+                <a:t>1</a:t>
+              </a:r>
+              <a:endParaRPr lang="en-US" dirty="0">
+                <a:solidFill>
+                  <a:schemeClr val="tx1"/>
+                </a:solidFill>
+                <a:latin typeface="a옛날사진관2" panose="02020600000000000000" pitchFamily="18" charset="-127"/>
+                <a:ea typeface="a옛날사진관2" panose="02020600000000000000" pitchFamily="18" charset="-127"/>
+              </a:endParaRPr>
+            </a:p>
+          </p:txBody>
+        </p:sp>
+        <p:sp>
+          <p:nvSpPr>
+            <p:cNvPr id="13" name="직사각형 12"/>
+            <p:cNvSpPr/>
+            <p:nvPr/>
+          </p:nvSpPr>
+          <p:spPr>
+            <a:xfrm>
+              <a:off x="739422" y="1433689"/>
+              <a:ext cx="1292578" cy="982133"/>
+            </a:xfrm>
+            <a:prstGeom prst="rect">
+              <a:avLst/>
+            </a:prstGeom>
+            <a:solidFill>
+              <a:schemeClr val="bg1"/>
+            </a:solidFill>
+            <a:ln>
+              <a:solidFill>
+                <a:schemeClr val="tx1"/>
+              </a:solidFill>
+            </a:ln>
+          </p:spPr>
+          <p:style>
+            <a:lnRef idx="2">
+              <a:schemeClr val="accent1">
+                <a:shade val="50000"/>
+              </a:schemeClr>
+            </a:lnRef>
+            <a:fillRef idx="1">
+              <a:schemeClr val="accent1"/>
+            </a:fillRef>
+            <a:effectRef idx="0">
+              <a:schemeClr val="accent1"/>
+            </a:effectRef>
+            <a:fontRef idx="minor">
+              <a:schemeClr val="lt1"/>
+            </a:fontRef>
+          </p:style>
+          <p:txBody>
+            <a:bodyPr rtlCol="0" anchor="ctr"/>
+            <a:lstStyle/>
+            <a:p>
+              <a:pPr algn="ctr"/>
+              <a:r>
+                <a:rPr lang="ko-KR" altLang="en-US" dirty="0" smtClean="0">
+                  <a:solidFill>
+                    <a:schemeClr val="tx1"/>
+                  </a:solidFill>
+                  <a:latin typeface="a옛날사진관2" panose="02020600000000000000" pitchFamily="18" charset="-127"/>
+                  <a:ea typeface="a옛날사진관2" panose="02020600000000000000" pitchFamily="18" charset="-127"/>
+                </a:rPr>
+                <a:t>그림</a:t>
+              </a:r>
+              <a:r>
+                <a:rPr lang="en-US" altLang="ko-KR" dirty="0" smtClean="0">
+                  <a:solidFill>
+                    <a:schemeClr val="tx1"/>
+                  </a:solidFill>
+                  <a:latin typeface="a옛날사진관2" panose="02020600000000000000" pitchFamily="18" charset="-127"/>
+                  <a:ea typeface="a옛날사진관2" panose="02020600000000000000" pitchFamily="18" charset="-127"/>
+                </a:rPr>
+                <a:t>1</a:t>
+              </a:r>
+              <a:endParaRPr lang="en-US" dirty="0">
+                <a:solidFill>
+                  <a:schemeClr val="tx1"/>
+                </a:solidFill>
+                <a:latin typeface="a옛날사진관2" panose="02020600000000000000" pitchFamily="18" charset="-127"/>
+                <a:ea typeface="a옛날사진관2" panose="02020600000000000000" pitchFamily="18" charset="-127"/>
+              </a:endParaRPr>
+            </a:p>
+          </p:txBody>
+        </p:sp>
+      </p:grpSp>
+      <p:grpSp>
+        <p:nvGrpSpPr>
+          <p:cNvPr id="19" name="그룹 18"/>
+          <p:cNvGrpSpPr/>
+          <p:nvPr/>
+        </p:nvGrpSpPr>
+        <p:grpSpPr>
+          <a:xfrm>
+            <a:off x="2167467" y="894650"/>
+            <a:ext cx="1631244" cy="2489200"/>
+            <a:chOff x="479778" y="1145822"/>
+            <a:chExt cx="1738489" cy="2489200"/>
+          </a:xfrm>
+        </p:grpSpPr>
+        <p:sp>
+          <p:nvSpPr>
+            <p:cNvPr id="20" name="직사각형 19"/>
+            <p:cNvSpPr/>
+            <p:nvPr/>
+          </p:nvSpPr>
+          <p:spPr>
+            <a:xfrm>
+              <a:off x="479778" y="1145822"/>
+              <a:ext cx="1738489" cy="2489200"/>
+            </a:xfrm>
+            <a:prstGeom prst="rect">
+              <a:avLst/>
+            </a:prstGeom>
+            <a:solidFill>
+              <a:schemeClr val="bg1"/>
+            </a:solidFill>
+            <a:ln>
+              <a:solidFill>
+                <a:schemeClr val="tx1"/>
+              </a:solidFill>
+            </a:ln>
+          </p:spPr>
+          <p:style>
+            <a:lnRef idx="2">
+              <a:schemeClr val="accent1">
+                <a:shade val="50000"/>
+              </a:schemeClr>
+            </a:lnRef>
+            <a:fillRef idx="1">
+              <a:schemeClr val="accent1"/>
+            </a:fillRef>
+            <a:effectRef idx="0">
+              <a:schemeClr val="accent1"/>
+            </a:effectRef>
+            <a:fontRef idx="minor">
+              <a:schemeClr val="lt1"/>
+            </a:fontRef>
+          </p:style>
+          <p:txBody>
+            <a:bodyPr rtlCol="0" anchor="ctr"/>
+            <a:lstStyle/>
+            <a:p>
+              <a:pPr algn="ctr"/>
+              <a:endParaRPr lang="en-US" dirty="0">
+                <a:latin typeface="a옛날사진관2" panose="02020600000000000000" pitchFamily="18" charset="-127"/>
+                <a:ea typeface="a옛날사진관2" panose="02020600000000000000" pitchFamily="18" charset="-127"/>
+              </a:endParaRPr>
+            </a:p>
+            <a:p>
+              <a:pPr algn="ctr"/>
+              <a:endParaRPr lang="en-US" dirty="0" smtClean="0">
+                <a:latin typeface="a옛날사진관2" panose="02020600000000000000" pitchFamily="18" charset="-127"/>
+                <a:ea typeface="a옛날사진관2" panose="02020600000000000000" pitchFamily="18" charset="-127"/>
+              </a:endParaRPr>
+            </a:p>
+            <a:p>
+              <a:pPr algn="ctr"/>
+              <a:endParaRPr lang="en-US" altLang="ko-KR" dirty="0" smtClean="0">
+                <a:solidFill>
+                  <a:schemeClr val="tx1"/>
+                </a:solidFill>
+                <a:latin typeface="a옛날사진관2" panose="02020600000000000000" pitchFamily="18" charset="-127"/>
+                <a:ea typeface="a옛날사진관2" panose="02020600000000000000" pitchFamily="18" charset="-127"/>
+              </a:endParaRPr>
+            </a:p>
+            <a:p>
+              <a:pPr algn="ctr"/>
+              <a:r>
+                <a:rPr lang="ko-KR" altLang="en-US" dirty="0" smtClean="0">
+                  <a:solidFill>
+                    <a:schemeClr val="tx1"/>
+                  </a:solidFill>
+                  <a:latin typeface="a옛날사진관2" panose="02020600000000000000" pitchFamily="18" charset="-127"/>
+                  <a:ea typeface="a옛날사진관2" panose="02020600000000000000" pitchFamily="18" charset="-127"/>
+                </a:rPr>
+                <a:t>캡션</a:t>
+              </a:r>
+              <a:r>
+                <a:rPr lang="en-US" altLang="ko-KR" dirty="0" smtClean="0">
+                  <a:solidFill>
+                    <a:schemeClr val="tx1"/>
+                  </a:solidFill>
+                  <a:latin typeface="a옛날사진관2" panose="02020600000000000000" pitchFamily="18" charset="-127"/>
+                  <a:ea typeface="a옛날사진관2" panose="02020600000000000000" pitchFamily="18" charset="-127"/>
+                </a:rPr>
+                <a:t>2</a:t>
+              </a:r>
+              <a:endParaRPr lang="en-US" dirty="0">
+                <a:solidFill>
+                  <a:schemeClr val="tx1"/>
+                </a:solidFill>
+                <a:latin typeface="a옛날사진관2" panose="02020600000000000000" pitchFamily="18" charset="-127"/>
+                <a:ea typeface="a옛날사진관2" panose="02020600000000000000" pitchFamily="18" charset="-127"/>
+              </a:endParaRPr>
+            </a:p>
+          </p:txBody>
+        </p:sp>
+        <p:sp>
+          <p:nvSpPr>
+            <p:cNvPr id="21" name="직사각형 20"/>
+            <p:cNvSpPr/>
+            <p:nvPr/>
+          </p:nvSpPr>
+          <p:spPr>
+            <a:xfrm>
+              <a:off x="739422" y="1433689"/>
+              <a:ext cx="1292578" cy="982133"/>
+            </a:xfrm>
+            <a:prstGeom prst="rect">
+              <a:avLst/>
+            </a:prstGeom>
+            <a:solidFill>
+              <a:schemeClr val="bg1"/>
+            </a:solidFill>
+            <a:ln>
+              <a:solidFill>
+                <a:schemeClr val="tx1"/>
+              </a:solidFill>
+            </a:ln>
+          </p:spPr>
+          <p:style>
+            <a:lnRef idx="2">
+              <a:schemeClr val="accent1">
+                <a:shade val="50000"/>
+              </a:schemeClr>
+            </a:lnRef>
+            <a:fillRef idx="1">
+              <a:schemeClr val="accent1"/>
+            </a:fillRef>
+            <a:effectRef idx="0">
+              <a:schemeClr val="accent1"/>
+            </a:effectRef>
+            <a:fontRef idx="minor">
+              <a:schemeClr val="lt1"/>
+            </a:fontRef>
+          </p:style>
+          <p:txBody>
+            <a:bodyPr rtlCol="0" anchor="ctr"/>
+            <a:lstStyle/>
+            <a:p>
+              <a:pPr algn="ctr"/>
+              <a:r>
+                <a:rPr lang="ko-KR" altLang="en-US" dirty="0" smtClean="0">
+                  <a:solidFill>
+                    <a:schemeClr val="tx1"/>
+                  </a:solidFill>
+                  <a:latin typeface="a옛날사진관2" panose="02020600000000000000" pitchFamily="18" charset="-127"/>
+                  <a:ea typeface="a옛날사진관2" panose="02020600000000000000" pitchFamily="18" charset="-127"/>
+                </a:rPr>
+                <a:t>그림</a:t>
+              </a:r>
+              <a:r>
+                <a:rPr lang="en-US" altLang="ko-KR" dirty="0" smtClean="0">
+                  <a:solidFill>
+                    <a:schemeClr val="tx1"/>
+                  </a:solidFill>
+                  <a:latin typeface="a옛날사진관2" panose="02020600000000000000" pitchFamily="18" charset="-127"/>
+                  <a:ea typeface="a옛날사진관2" panose="02020600000000000000" pitchFamily="18" charset="-127"/>
+                </a:rPr>
+                <a:t>2</a:t>
+              </a:r>
+              <a:endParaRPr lang="en-US" dirty="0">
+                <a:solidFill>
+                  <a:schemeClr val="tx1"/>
+                </a:solidFill>
+                <a:latin typeface="a옛날사진관2" panose="02020600000000000000" pitchFamily="18" charset="-127"/>
+                <a:ea typeface="a옛날사진관2" panose="02020600000000000000" pitchFamily="18" charset="-127"/>
+              </a:endParaRPr>
+            </a:p>
+          </p:txBody>
+        </p:sp>
+      </p:grpSp>
+      <p:grpSp>
+        <p:nvGrpSpPr>
+          <p:cNvPr id="22" name="그룹 21"/>
+          <p:cNvGrpSpPr/>
+          <p:nvPr/>
+        </p:nvGrpSpPr>
+        <p:grpSpPr>
+          <a:xfrm>
+            <a:off x="3855156" y="897470"/>
+            <a:ext cx="1631244" cy="2489200"/>
+            <a:chOff x="479778" y="1145822"/>
+            <a:chExt cx="1738489" cy="2489200"/>
+          </a:xfrm>
+        </p:grpSpPr>
+        <p:sp>
+          <p:nvSpPr>
+            <p:cNvPr id="23" name="직사각형 22"/>
+            <p:cNvSpPr/>
+            <p:nvPr/>
+          </p:nvSpPr>
+          <p:spPr>
+            <a:xfrm>
+              <a:off x="479778" y="1145822"/>
+              <a:ext cx="1738489" cy="2489200"/>
+            </a:xfrm>
+            <a:prstGeom prst="rect">
+              <a:avLst/>
+            </a:prstGeom>
+            <a:solidFill>
+              <a:schemeClr val="bg1"/>
+            </a:solidFill>
+            <a:ln>
+              <a:solidFill>
+                <a:schemeClr val="tx1"/>
+              </a:solidFill>
+            </a:ln>
+          </p:spPr>
+          <p:style>
+            <a:lnRef idx="2">
+              <a:schemeClr val="accent1">
+                <a:shade val="50000"/>
+              </a:schemeClr>
+            </a:lnRef>
+            <a:fillRef idx="1">
+              <a:schemeClr val="accent1"/>
+            </a:fillRef>
+            <a:effectRef idx="0">
+              <a:schemeClr val="accent1"/>
+            </a:effectRef>
+            <a:fontRef idx="minor">
+              <a:schemeClr val="lt1"/>
+            </a:fontRef>
+          </p:style>
+          <p:txBody>
+            <a:bodyPr rtlCol="0" anchor="ctr"/>
+            <a:lstStyle/>
+            <a:p>
+              <a:pPr algn="ctr"/>
+              <a:endParaRPr lang="en-US" dirty="0">
+                <a:latin typeface="a옛날사진관2" panose="02020600000000000000" pitchFamily="18" charset="-127"/>
+                <a:ea typeface="a옛날사진관2" panose="02020600000000000000" pitchFamily="18" charset="-127"/>
+              </a:endParaRPr>
+            </a:p>
+            <a:p>
+              <a:pPr algn="ctr"/>
+              <a:endParaRPr lang="en-US" dirty="0" smtClean="0">
+                <a:latin typeface="a옛날사진관2" panose="02020600000000000000" pitchFamily="18" charset="-127"/>
+                <a:ea typeface="a옛날사진관2" panose="02020600000000000000" pitchFamily="18" charset="-127"/>
+              </a:endParaRPr>
+            </a:p>
+            <a:p>
+              <a:pPr algn="ctr"/>
+              <a:endParaRPr lang="en-US" altLang="ko-KR" dirty="0" smtClean="0">
+                <a:solidFill>
+                  <a:schemeClr val="tx1"/>
+                </a:solidFill>
+                <a:latin typeface="a옛날사진관2" panose="02020600000000000000" pitchFamily="18" charset="-127"/>
+                <a:ea typeface="a옛날사진관2" panose="02020600000000000000" pitchFamily="18" charset="-127"/>
+              </a:endParaRPr>
+            </a:p>
+            <a:p>
+              <a:pPr algn="ctr"/>
+              <a:r>
+                <a:rPr lang="ko-KR" altLang="en-US" dirty="0" smtClean="0">
+                  <a:solidFill>
+                    <a:schemeClr val="tx1"/>
+                  </a:solidFill>
+                  <a:latin typeface="a옛날사진관2" panose="02020600000000000000" pitchFamily="18" charset="-127"/>
+                  <a:ea typeface="a옛날사진관2" panose="02020600000000000000" pitchFamily="18" charset="-127"/>
+                </a:rPr>
+                <a:t>캡션</a:t>
+              </a:r>
+              <a:r>
+                <a:rPr lang="en-US" altLang="ko-KR" dirty="0">
+                  <a:solidFill>
+                    <a:schemeClr val="tx1"/>
+                  </a:solidFill>
+                  <a:latin typeface="a옛날사진관2" panose="02020600000000000000" pitchFamily="18" charset="-127"/>
+                  <a:ea typeface="a옛날사진관2" panose="02020600000000000000" pitchFamily="18" charset="-127"/>
+                </a:rPr>
+                <a:t>3</a:t>
+              </a:r>
+              <a:endParaRPr lang="en-US" dirty="0">
+                <a:solidFill>
+                  <a:schemeClr val="tx1"/>
+                </a:solidFill>
+                <a:latin typeface="a옛날사진관2" panose="02020600000000000000" pitchFamily="18" charset="-127"/>
+                <a:ea typeface="a옛날사진관2" panose="02020600000000000000" pitchFamily="18" charset="-127"/>
+              </a:endParaRPr>
+            </a:p>
+          </p:txBody>
+        </p:sp>
+        <p:sp>
+          <p:nvSpPr>
+            <p:cNvPr id="24" name="직사각형 23"/>
+            <p:cNvSpPr/>
+            <p:nvPr/>
+          </p:nvSpPr>
+          <p:spPr>
+            <a:xfrm>
+              <a:off x="739422" y="1433689"/>
+              <a:ext cx="1292578" cy="982133"/>
+            </a:xfrm>
+            <a:prstGeom prst="rect">
+              <a:avLst/>
+            </a:prstGeom>
+            <a:solidFill>
+              <a:schemeClr val="bg1"/>
+            </a:solidFill>
+            <a:ln>
+              <a:solidFill>
+                <a:schemeClr val="tx1"/>
+              </a:solidFill>
+            </a:ln>
+          </p:spPr>
+          <p:style>
+            <a:lnRef idx="2">
+              <a:schemeClr val="accent1">
+                <a:shade val="50000"/>
+              </a:schemeClr>
+            </a:lnRef>
+            <a:fillRef idx="1">
+              <a:schemeClr val="accent1"/>
+            </a:fillRef>
+            <a:effectRef idx="0">
+              <a:schemeClr val="accent1"/>
+            </a:effectRef>
+            <a:fontRef idx="minor">
+              <a:schemeClr val="lt1"/>
+            </a:fontRef>
+          </p:style>
+          <p:txBody>
+            <a:bodyPr rtlCol="0" anchor="ctr"/>
+            <a:lstStyle/>
+            <a:p>
+              <a:pPr algn="ctr"/>
+              <a:r>
+                <a:rPr lang="ko-KR" altLang="en-US" dirty="0" smtClean="0">
+                  <a:solidFill>
+                    <a:schemeClr val="tx1"/>
+                  </a:solidFill>
+                  <a:latin typeface="a옛날사진관2" panose="02020600000000000000" pitchFamily="18" charset="-127"/>
+                  <a:ea typeface="a옛날사진관2" panose="02020600000000000000" pitchFamily="18" charset="-127"/>
+                </a:rPr>
+                <a:t>그림</a:t>
+              </a:r>
+              <a:r>
+                <a:rPr lang="en-US" altLang="ko-KR" dirty="0" smtClean="0">
+                  <a:solidFill>
+                    <a:schemeClr val="tx1"/>
+                  </a:solidFill>
+                  <a:latin typeface="a옛날사진관2" panose="02020600000000000000" pitchFamily="18" charset="-127"/>
+                  <a:ea typeface="a옛날사진관2" panose="02020600000000000000" pitchFamily="18" charset="-127"/>
+                </a:rPr>
+                <a:t>3</a:t>
+              </a:r>
+              <a:endParaRPr lang="en-US" dirty="0">
+                <a:solidFill>
+                  <a:schemeClr val="tx1"/>
+                </a:solidFill>
+                <a:latin typeface="a옛날사진관2" panose="02020600000000000000" pitchFamily="18" charset="-127"/>
+                <a:ea typeface="a옛날사진관2" panose="02020600000000000000" pitchFamily="18" charset="-127"/>
+              </a:endParaRPr>
+            </a:p>
+          </p:txBody>
+        </p:sp>
+      </p:grpSp>
+      <p:sp>
+        <p:nvSpPr>
+          <p:cNvPr id="25" name="직사각형 24"/>
           <p:cNvSpPr/>
           <p:nvPr/>
         </p:nvSpPr>
         <p:spPr>
           <a:xfrm>
-            <a:off x="5085692" y="3054514"/>
-            <a:ext cx="1379908" cy="388800"/>
+            <a:off x="6163734" y="118537"/>
+            <a:ext cx="5006622" cy="3265313"/>
           </a:xfrm>
           <a:prstGeom prst="rect">
             <a:avLst/>
           </a:prstGeom>
           <a:solidFill>
-            <a:srgbClr val="FFC000"/>
+            <a:schemeClr val="dk1">
+              <a:alpha val="42000"/>
+            </a:schemeClr>
           </a:solidFill>
+          <a:ln>
+            <a:noFill/>
+          </a:ln>
+        </p:spPr>
+        <p:style>
+          <a:lnRef idx="2">
+            <a:schemeClr val="dk1">
+              <a:shade val="50000"/>
+            </a:schemeClr>
+          </a:lnRef>
+          <a:fillRef idx="1">
+            <a:schemeClr val="dk1"/>
+          </a:fillRef>
+          <a:effectRef idx="0">
+            <a:schemeClr val="dk1"/>
+          </a:effectRef>
+          <a:fontRef idx="minor">
+            <a:schemeClr val="lt1"/>
+          </a:fontRef>
+        </p:style>
+        <p:txBody>
+          <a:bodyPr rtlCol="0" anchor="ctr"/>
+          <a:lstStyle/>
+          <a:p>
+            <a:pPr algn="ctr"/>
+            <a:endParaRPr lang="en-US"/>
+          </a:p>
+        </p:txBody>
+      </p:sp>
+      <p:sp>
+        <p:nvSpPr>
+          <p:cNvPr id="26" name="직사각형 25"/>
+          <p:cNvSpPr/>
+          <p:nvPr/>
+        </p:nvSpPr>
+        <p:spPr>
+          <a:xfrm>
+            <a:off x="6434223" y="172764"/>
+            <a:ext cx="2958666" cy="778933"/>
+          </a:xfrm>
+          <a:prstGeom prst="rect">
+            <a:avLst/>
+          </a:prstGeom>
+          <a:noFill/>
           <a:ln>
             <a:noFill/>
           </a:ln>
@@ -4070,27 +4656,42 @@
           <a:bodyPr rtlCol="0" anchor="ctr"/>
           <a:lstStyle/>
           <a:p>
-            <a:pPr algn="ctr"/>
-            <a:endParaRPr lang="en-US"/>
-          </a:p>
-        </p:txBody>
-      </p:sp>
-      <p:sp>
-        <p:nvSpPr>
-          <p:cNvPr id="12" name="직사각형 11"/>
+            <a:r>
+              <a:rPr lang="en-US" dirty="0" smtClean="0">
+                <a:solidFill>
+                  <a:schemeClr val="bg1"/>
+                </a:solidFill>
+                <a:latin typeface="a옛날사진관3" panose="02020600000000000000" pitchFamily="18" charset="-127"/>
+                <a:ea typeface="a옛날사진관3" panose="02020600000000000000" pitchFamily="18" charset="-127"/>
+              </a:rPr>
+              <a:t>Christmas</a:t>
+            </a:r>
+            <a:endParaRPr lang="en-US" dirty="0">
+              <a:solidFill>
+                <a:schemeClr val="bg1"/>
+              </a:solidFill>
+              <a:latin typeface="a옛날사진관3" panose="02020600000000000000" pitchFamily="18" charset="-127"/>
+              <a:ea typeface="a옛날사진관3" panose="02020600000000000000" pitchFamily="18" charset="-127"/>
+            </a:endParaRPr>
+          </a:p>
+        </p:txBody>
+      </p:sp>
+      <p:sp>
+        <p:nvSpPr>
+          <p:cNvPr id="27" name="직사각형 26"/>
           <p:cNvSpPr/>
           <p:nvPr/>
         </p:nvSpPr>
         <p:spPr>
           <a:xfrm>
-            <a:off x="2667692" y="3849747"/>
-            <a:ext cx="3797908" cy="388800"/>
+            <a:off x="6434138" y="736500"/>
+            <a:ext cx="1324800" cy="9144"/>
           </a:xfrm>
           <a:prstGeom prst="rect">
             <a:avLst/>
           </a:prstGeom>
           <a:solidFill>
-            <a:srgbClr val="FFC000"/>
+            <a:schemeClr val="bg1"/>
           </a:solidFill>
           <a:ln>
             <a:noFill/>
@@ -4121,25 +4722,128 @@
           </a:p>
         </p:txBody>
       </p:sp>
-      <p:sp>
-        <p:nvSpPr>
-          <p:cNvPr id="13" name="직사각형 12"/>
-          <p:cNvSpPr/>
+      <p:pic>
+        <p:nvPicPr>
+          <p:cNvPr id="28" name="그림 27"/>
+          <p:cNvPicPr>
+            <a:picLocks noChangeAspect="1"/>
+          </p:cNvPicPr>
           <p:nvPr/>
-        </p:nvSpPr>
-        <p:spPr>
-          <a:xfrm>
-            <a:off x="1059570" y="4681169"/>
-            <a:ext cx="2088020" cy="388800"/>
+        </p:nvPicPr>
+        <p:blipFill>
+          <a:blip r:embed="rId3" cstate="print">
+            <a:extLst>
+              <a:ext uri="{28A0092B-C50C-407E-A947-70E740481C1C}">
+                <a14:useLocalDpi xmlns:a14="http://schemas.microsoft.com/office/drawing/2010/main" val="0"/>
+              </a:ext>
+            </a:extLst>
+          </a:blip>
+          <a:stretch>
+            <a:fillRect/>
+          </a:stretch>
+        </p:blipFill>
+        <p:spPr>
+          <a:xfrm>
+            <a:off x="6111420" y="894650"/>
+            <a:ext cx="2238225" cy="2238225"/>
           </a:xfrm>
           <a:prstGeom prst="rect">
             <a:avLst/>
           </a:prstGeom>
-          <a:solidFill>
-            <a:srgbClr val="FFC000"/>
-          </a:solidFill>
+        </p:spPr>
+      </p:pic>
+      <p:sp>
+        <p:nvSpPr>
+          <p:cNvPr id="29" name="TextBox 28"/>
+          <p:cNvSpPr txBox="1"/>
+          <p:nvPr/>
+        </p:nvSpPr>
+        <p:spPr>
+          <a:xfrm>
+            <a:off x="7913556" y="2324923"/>
+            <a:ext cx="1608622" cy="461665"/>
+          </a:xfrm>
+          <a:prstGeom prst="rect">
+            <a:avLst/>
+          </a:prstGeom>
+          <a:noFill/>
+        </p:spPr>
+        <p:txBody>
+          <a:bodyPr wrap="square" rtlCol="0">
+            <a:spAutoFit/>
+          </a:bodyPr>
+          <a:lstStyle/>
+          <a:p>
+            <a:r>
+              <a:rPr lang="en-US" sz="1200" dirty="0" smtClean="0">
+                <a:solidFill>
+                  <a:schemeClr val="bg1"/>
+                </a:solidFill>
+              </a:rPr>
+              <a:t>Oh yeah I like the Christmas tree</a:t>
+            </a:r>
+            <a:endParaRPr lang="en-US" sz="1200" dirty="0">
+              <a:solidFill>
+                <a:schemeClr val="bg1"/>
+              </a:solidFill>
+            </a:endParaRPr>
+          </a:p>
+        </p:txBody>
+      </p:sp>
+      <p:cxnSp>
+        <p:nvCxnSpPr>
+          <p:cNvPr id="31" name="직선 연결선 30"/>
+          <p:cNvCxnSpPr/>
+          <p:nvPr/>
+        </p:nvCxnSpPr>
+        <p:spPr>
+          <a:xfrm>
+            <a:off x="7913556" y="2370670"/>
+            <a:ext cx="0" cy="415918"/>
+          </a:xfrm>
+          <a:prstGeom prst="line">
+            <a:avLst/>
+          </a:prstGeom>
           <a:ln>
-            <a:noFill/>
+            <a:solidFill>
+              <a:schemeClr val="bg1"/>
+            </a:solidFill>
+          </a:ln>
+        </p:spPr>
+        <p:style>
+          <a:lnRef idx="1">
+            <a:schemeClr val="accent1"/>
+          </a:lnRef>
+          <a:fillRef idx="0">
+            <a:schemeClr val="accent1"/>
+          </a:fillRef>
+          <a:effectRef idx="0">
+            <a:schemeClr val="accent1"/>
+          </a:effectRef>
+          <a:fontRef idx="minor">
+            <a:schemeClr val="tx1"/>
+          </a:fontRef>
+        </p:style>
+      </p:cxnSp>
+      <p:sp>
+        <p:nvSpPr>
+          <p:cNvPr id="32" name="직사각형 31"/>
+          <p:cNvSpPr/>
+          <p:nvPr/>
+        </p:nvSpPr>
+        <p:spPr>
+          <a:xfrm>
+            <a:off x="6316133" y="287870"/>
+            <a:ext cx="1851378" cy="716845"/>
+          </a:xfrm>
+          <a:prstGeom prst="rect">
+            <a:avLst/>
+          </a:prstGeom>
+          <a:noFill/>
+          <a:ln w="28575">
+            <a:solidFill>
+              <a:srgbClr val="00B050"/>
+            </a:solidFill>
           </a:ln>
         </p:spPr>
         <p:style>
@@ -4167,6 +4871,1229 @@
           </a:p>
         </p:txBody>
       </p:sp>
+      <p:sp>
+        <p:nvSpPr>
+          <p:cNvPr id="33" name="직사각형 32"/>
+          <p:cNvSpPr/>
+          <p:nvPr/>
+        </p:nvSpPr>
+        <p:spPr>
+          <a:xfrm>
+            <a:off x="6333110" y="1119821"/>
+            <a:ext cx="2963289" cy="1945116"/>
+          </a:xfrm>
+          <a:prstGeom prst="rect">
+            <a:avLst/>
+          </a:prstGeom>
+          <a:noFill/>
+          <a:ln w="28575">
+            <a:solidFill>
+              <a:srgbClr val="00B050"/>
+            </a:solidFill>
+          </a:ln>
+        </p:spPr>
+        <p:style>
+          <a:lnRef idx="2">
+            <a:schemeClr val="accent1">
+              <a:shade val="50000"/>
+            </a:schemeClr>
+          </a:lnRef>
+          <a:fillRef idx="1">
+            <a:schemeClr val="accent1"/>
+          </a:fillRef>
+          <a:effectRef idx="0">
+            <a:schemeClr val="accent1"/>
+          </a:effectRef>
+          <a:fontRef idx="minor">
+            <a:schemeClr val="lt1"/>
+          </a:fontRef>
+        </p:style>
+        <p:txBody>
+          <a:bodyPr rtlCol="0" anchor="ctr"/>
+          <a:lstStyle/>
+          <a:p>
+            <a:pPr algn="ctr"/>
+            <a:endParaRPr lang="en-US"/>
+          </a:p>
+        </p:txBody>
+      </p:sp>
+      <p:sp>
+        <p:nvSpPr>
+          <p:cNvPr id="34" name="직사각형 33"/>
+          <p:cNvSpPr/>
+          <p:nvPr/>
+        </p:nvSpPr>
+        <p:spPr>
+          <a:xfrm>
+            <a:off x="3347913" y="3527415"/>
+            <a:ext cx="5006622" cy="3268133"/>
+          </a:xfrm>
+          <a:prstGeom prst="rect">
+            <a:avLst/>
+          </a:prstGeom>
+          <a:blipFill>
+            <a:blip r:embed="rId2"/>
+            <a:stretch>
+              <a:fillRect/>
+            </a:stretch>
+          </a:blipFill>
+          <a:ln>
+            <a:solidFill>
+              <a:schemeClr val="tx1"/>
+            </a:solidFill>
+          </a:ln>
+        </p:spPr>
+        <p:style>
+          <a:lnRef idx="2">
+            <a:schemeClr val="accent1">
+              <a:shade val="50000"/>
+            </a:schemeClr>
+          </a:lnRef>
+          <a:fillRef idx="1">
+            <a:schemeClr val="accent1"/>
+          </a:fillRef>
+          <a:effectRef idx="0">
+            <a:schemeClr val="accent1"/>
+          </a:effectRef>
+          <a:fontRef idx="minor">
+            <a:schemeClr val="lt1"/>
+          </a:fontRef>
+        </p:style>
+        <p:txBody>
+          <a:bodyPr rtlCol="0" anchor="ctr"/>
+          <a:lstStyle/>
+          <a:p>
+            <a:pPr algn="ctr"/>
+            <a:endParaRPr lang="en-US"/>
+          </a:p>
+        </p:txBody>
+      </p:sp>
+      <p:sp>
+        <p:nvSpPr>
+          <p:cNvPr id="35" name="직사각형 34"/>
+          <p:cNvSpPr/>
+          <p:nvPr/>
+        </p:nvSpPr>
+        <p:spPr>
+          <a:xfrm>
+            <a:off x="3347913" y="3527415"/>
+            <a:ext cx="5006622" cy="3265313"/>
+          </a:xfrm>
+          <a:prstGeom prst="rect">
+            <a:avLst/>
+          </a:prstGeom>
+          <a:solidFill>
+            <a:schemeClr val="dk1">
+              <a:alpha val="42000"/>
+            </a:schemeClr>
+          </a:solidFill>
+          <a:ln>
+            <a:noFill/>
+          </a:ln>
+        </p:spPr>
+        <p:style>
+          <a:lnRef idx="2">
+            <a:schemeClr val="dk1">
+              <a:shade val="50000"/>
+            </a:schemeClr>
+          </a:lnRef>
+          <a:fillRef idx="1">
+            <a:schemeClr val="dk1"/>
+          </a:fillRef>
+          <a:effectRef idx="0">
+            <a:schemeClr val="dk1"/>
+          </a:effectRef>
+          <a:fontRef idx="minor">
+            <a:schemeClr val="lt1"/>
+          </a:fontRef>
+        </p:style>
+        <p:txBody>
+          <a:bodyPr rtlCol="0" anchor="ctr"/>
+          <a:lstStyle/>
+          <a:p>
+            <a:pPr algn="ctr"/>
+            <a:endParaRPr lang="en-US"/>
+          </a:p>
+        </p:txBody>
+      </p:sp>
+      <p:sp>
+        <p:nvSpPr>
+          <p:cNvPr id="36" name="직사각형 35"/>
+          <p:cNvSpPr/>
+          <p:nvPr/>
+        </p:nvSpPr>
+        <p:spPr>
+          <a:xfrm>
+            <a:off x="3618402" y="3581642"/>
+            <a:ext cx="2958666" cy="778933"/>
+          </a:xfrm>
+          <a:prstGeom prst="rect">
+            <a:avLst/>
+          </a:prstGeom>
+          <a:noFill/>
+          <a:ln>
+            <a:noFill/>
+          </a:ln>
+        </p:spPr>
+        <p:style>
+          <a:lnRef idx="2">
+            <a:schemeClr val="accent1">
+              <a:shade val="50000"/>
+            </a:schemeClr>
+          </a:lnRef>
+          <a:fillRef idx="1">
+            <a:schemeClr val="accent1"/>
+          </a:fillRef>
+          <a:effectRef idx="0">
+            <a:schemeClr val="accent1"/>
+          </a:effectRef>
+          <a:fontRef idx="minor">
+            <a:schemeClr val="lt1"/>
+          </a:fontRef>
+        </p:style>
+        <p:txBody>
+          <a:bodyPr rtlCol="0" anchor="ctr"/>
+          <a:lstStyle/>
+          <a:p>
+            <a:r>
+              <a:rPr lang="en-US" dirty="0" smtClean="0">
+                <a:solidFill>
+                  <a:schemeClr val="bg1"/>
+                </a:solidFill>
+                <a:latin typeface="a옛날사진관3" panose="02020600000000000000" pitchFamily="18" charset="-127"/>
+                <a:ea typeface="a옛날사진관3" panose="02020600000000000000" pitchFamily="18" charset="-127"/>
+              </a:rPr>
+              <a:t>DS Project</a:t>
+            </a:r>
+            <a:endParaRPr lang="en-US" dirty="0">
+              <a:solidFill>
+                <a:schemeClr val="bg1"/>
+              </a:solidFill>
+              <a:latin typeface="a옛날사진관3" panose="02020600000000000000" pitchFamily="18" charset="-127"/>
+              <a:ea typeface="a옛날사진관3" panose="02020600000000000000" pitchFamily="18" charset="-127"/>
+            </a:endParaRPr>
+          </a:p>
+        </p:txBody>
+      </p:sp>
+      <p:sp>
+        <p:nvSpPr>
+          <p:cNvPr id="37" name="직사각형 36"/>
+          <p:cNvSpPr/>
+          <p:nvPr/>
+        </p:nvSpPr>
+        <p:spPr>
+          <a:xfrm>
+            <a:off x="3652181" y="4145378"/>
+            <a:ext cx="1324800" cy="9144"/>
+          </a:xfrm>
+          <a:prstGeom prst="rect">
+            <a:avLst/>
+          </a:prstGeom>
+          <a:solidFill>
+            <a:schemeClr val="bg1"/>
+          </a:solidFill>
+          <a:ln>
+            <a:noFill/>
+          </a:ln>
+        </p:spPr>
+        <p:style>
+          <a:lnRef idx="2">
+            <a:schemeClr val="accent1">
+              <a:shade val="50000"/>
+            </a:schemeClr>
+          </a:lnRef>
+          <a:fillRef idx="1">
+            <a:schemeClr val="accent1"/>
+          </a:fillRef>
+          <a:effectRef idx="0">
+            <a:schemeClr val="accent1"/>
+          </a:effectRef>
+          <a:fontRef idx="minor">
+            <a:schemeClr val="lt1"/>
+          </a:fontRef>
+        </p:style>
+        <p:txBody>
+          <a:bodyPr rtlCol="0" anchor="ctr"/>
+          <a:lstStyle/>
+          <a:p>
+            <a:pPr algn="ctr"/>
+            <a:endParaRPr lang="en-US"/>
+          </a:p>
+        </p:txBody>
+      </p:sp>
+      <p:sp>
+        <p:nvSpPr>
+          <p:cNvPr id="39" name="TextBox 38"/>
+          <p:cNvSpPr txBox="1"/>
+          <p:nvPr/>
+        </p:nvSpPr>
+        <p:spPr>
+          <a:xfrm>
+            <a:off x="4866313" y="5748842"/>
+            <a:ext cx="1608622" cy="577081"/>
+          </a:xfrm>
+          <a:prstGeom prst="rect">
+            <a:avLst/>
+          </a:prstGeom>
+          <a:noFill/>
+        </p:spPr>
+        <p:txBody>
+          <a:bodyPr wrap="square" rtlCol="0">
+            <a:spAutoFit/>
+          </a:bodyPr>
+          <a:lstStyle/>
+          <a:p>
+            <a:r>
+              <a:rPr lang="en-US" sz="1050" dirty="0" smtClean="0">
+                <a:solidFill>
+                  <a:schemeClr val="bg1"/>
+                </a:solidFill>
+                <a:latin typeface="a옛날사진관2" panose="02020600000000000000" pitchFamily="18" charset="-127"/>
+                <a:ea typeface="a옛날사진관2" panose="02020600000000000000" pitchFamily="18" charset="-127"/>
+              </a:rPr>
+              <a:t>20170622 </a:t>
+            </a:r>
+          </a:p>
+          <a:p>
+            <a:r>
+              <a:rPr lang="en-US" altLang="ko-KR" sz="1050" dirty="0" smtClean="0">
+                <a:solidFill>
+                  <a:schemeClr val="bg1"/>
+                </a:solidFill>
+                <a:latin typeface="a옛날사진관2" panose="02020600000000000000" pitchFamily="18" charset="-127"/>
+                <a:ea typeface="a옛날사진관2" panose="02020600000000000000" pitchFamily="18" charset="-127"/>
+              </a:rPr>
+              <a:t>&lt; </a:t>
+            </a:r>
+            <a:r>
+              <a:rPr lang="ko-KR" altLang="en-US" sz="1050" dirty="0" smtClean="0">
+                <a:solidFill>
+                  <a:schemeClr val="bg1"/>
+                </a:solidFill>
+                <a:latin typeface="a옛날사진관2" panose="02020600000000000000" pitchFamily="18" charset="-127"/>
+                <a:ea typeface="a옛날사진관2" panose="02020600000000000000" pitchFamily="18" charset="-127"/>
+              </a:rPr>
+              <a:t>마지막처럼 </a:t>
+            </a:r>
+            <a:r>
+              <a:rPr lang="en-US" altLang="ko-KR" sz="1050" dirty="0" smtClean="0">
+                <a:solidFill>
+                  <a:schemeClr val="bg1"/>
+                </a:solidFill>
+                <a:latin typeface="a옛날사진관2" panose="02020600000000000000" pitchFamily="18" charset="-127"/>
+                <a:ea typeface="a옛날사진관2" panose="02020600000000000000" pitchFamily="18" charset="-127"/>
+              </a:rPr>
+              <a:t>&gt;</a:t>
+            </a:r>
+          </a:p>
+          <a:p>
+            <a:r>
+              <a:rPr lang="ko-KR" altLang="en-US" sz="1050" dirty="0" err="1" smtClean="0">
+                <a:solidFill>
+                  <a:schemeClr val="bg1"/>
+                </a:solidFill>
+                <a:latin typeface="a옛날사진관2" panose="02020600000000000000" pitchFamily="18" charset="-127"/>
+                <a:ea typeface="a옛날사진관2" panose="02020600000000000000" pitchFamily="18" charset="-127"/>
+              </a:rPr>
+              <a:t>ㄹㅇ</a:t>
+            </a:r>
+            <a:r>
+              <a:rPr lang="ko-KR" altLang="en-US" sz="1050" dirty="0" smtClean="0">
+                <a:solidFill>
+                  <a:schemeClr val="bg1"/>
+                </a:solidFill>
+                <a:latin typeface="a옛날사진관2" panose="02020600000000000000" pitchFamily="18" charset="-127"/>
+                <a:ea typeface="a옛날사진관2" panose="02020600000000000000" pitchFamily="18" charset="-127"/>
+              </a:rPr>
+              <a:t> </a:t>
+            </a:r>
+            <a:r>
+              <a:rPr lang="ko-KR" altLang="en-US" sz="1050" dirty="0" err="1" smtClean="0">
+                <a:solidFill>
+                  <a:schemeClr val="bg1"/>
+                </a:solidFill>
+                <a:latin typeface="a옛날사진관2" panose="02020600000000000000" pitchFamily="18" charset="-127"/>
+                <a:ea typeface="a옛날사진관2" panose="02020600000000000000" pitchFamily="18" charset="-127"/>
+              </a:rPr>
+              <a:t>마지막인듯</a:t>
+            </a:r>
+            <a:r>
+              <a:rPr lang="en-US" altLang="ko-KR" sz="1050" dirty="0" smtClean="0">
+                <a:solidFill>
+                  <a:schemeClr val="bg1"/>
+                </a:solidFill>
+                <a:latin typeface="a옛날사진관2" panose="02020600000000000000" pitchFamily="18" charset="-127"/>
+                <a:ea typeface="a옛날사진관2" panose="02020600000000000000" pitchFamily="18" charset="-127"/>
+              </a:rPr>
+              <a:t>.</a:t>
+            </a:r>
+            <a:endParaRPr lang="en-US" sz="1050" dirty="0">
+              <a:solidFill>
+                <a:schemeClr val="bg1"/>
+              </a:solidFill>
+              <a:latin typeface="a옛날사진관2" panose="02020600000000000000" pitchFamily="18" charset="-127"/>
+              <a:ea typeface="a옛날사진관2" panose="02020600000000000000" pitchFamily="18" charset="-127"/>
+            </a:endParaRPr>
+          </a:p>
+        </p:txBody>
+      </p:sp>
+      <p:cxnSp>
+        <p:nvCxnSpPr>
+          <p:cNvPr id="40" name="직선 연결선 39"/>
+          <p:cNvCxnSpPr/>
+          <p:nvPr/>
+        </p:nvCxnSpPr>
+        <p:spPr>
+          <a:xfrm>
+            <a:off x="4866313" y="5794589"/>
+            <a:ext cx="0" cy="600584"/>
+          </a:xfrm>
+          <a:prstGeom prst="line">
+            <a:avLst/>
+          </a:prstGeom>
+          <a:ln>
+            <a:solidFill>
+              <a:schemeClr val="bg1"/>
+            </a:solidFill>
+          </a:ln>
+        </p:spPr>
+        <p:style>
+          <a:lnRef idx="1">
+            <a:schemeClr val="accent1"/>
+          </a:lnRef>
+          <a:fillRef idx="0">
+            <a:schemeClr val="accent1"/>
+          </a:fillRef>
+          <a:effectRef idx="0">
+            <a:schemeClr val="accent1"/>
+          </a:effectRef>
+          <a:fontRef idx="minor">
+            <a:schemeClr val="tx1"/>
+          </a:fontRef>
+        </p:style>
+      </p:cxnSp>
+      <p:pic>
+        <p:nvPicPr>
+          <p:cNvPr id="43" name="그림 42"/>
+          <p:cNvPicPr>
+            <a:picLocks noChangeAspect="1"/>
+          </p:cNvPicPr>
+          <p:nvPr/>
+        </p:nvPicPr>
+        <p:blipFill>
+          <a:blip r:embed="rId4" cstate="print">
+            <a:extLst>
+              <a:ext uri="{28A0092B-C50C-407E-A947-70E740481C1C}">
+                <a14:useLocalDpi xmlns:a14="http://schemas.microsoft.com/office/drawing/2010/main" val="0"/>
+              </a:ext>
+            </a:extLst>
+          </a:blip>
+          <a:stretch>
+            <a:fillRect/>
+          </a:stretch>
+        </p:blipFill>
+        <p:spPr>
+          <a:xfrm>
+            <a:off x="3714893" y="4693105"/>
+            <a:ext cx="1078050" cy="1616304"/>
+          </a:xfrm>
+          <a:prstGeom prst="rect">
+            <a:avLst/>
+          </a:prstGeom>
+        </p:spPr>
+      </p:pic>
+      <p:pic>
+        <p:nvPicPr>
+          <p:cNvPr id="47" name="그림 46"/>
+          <p:cNvPicPr>
+            <a:picLocks noChangeAspect="1"/>
+          </p:cNvPicPr>
+          <p:nvPr/>
+        </p:nvPicPr>
+        <p:blipFill>
+          <a:blip r:embed="rId5" cstate="print">
+            <a:extLst>
+              <a:ext uri="{28A0092B-C50C-407E-A947-70E740481C1C}">
+                <a14:useLocalDpi xmlns:a14="http://schemas.microsoft.com/office/drawing/2010/main" val="0"/>
+              </a:ext>
+            </a:extLst>
+          </a:blip>
+          <a:stretch>
+            <a:fillRect/>
+          </a:stretch>
+        </p:blipFill>
+        <p:spPr>
+          <a:xfrm>
+            <a:off x="5951241" y="4693105"/>
+            <a:ext cx="1626653" cy="914992"/>
+          </a:xfrm>
+          <a:prstGeom prst="rect">
+            <a:avLst/>
+          </a:prstGeom>
+        </p:spPr>
+      </p:pic>
+      <p:sp>
+        <p:nvSpPr>
+          <p:cNvPr id="48" name="TextBox 47"/>
+          <p:cNvSpPr txBox="1"/>
+          <p:nvPr/>
+        </p:nvSpPr>
+        <p:spPr>
+          <a:xfrm>
+            <a:off x="6881402" y="5745869"/>
+            <a:ext cx="1608622" cy="577081"/>
+          </a:xfrm>
+          <a:prstGeom prst="rect">
+            <a:avLst/>
+          </a:prstGeom>
+          <a:noFill/>
+        </p:spPr>
+        <p:txBody>
+          <a:bodyPr wrap="square" rtlCol="0">
+            <a:spAutoFit/>
+          </a:bodyPr>
+          <a:lstStyle/>
+          <a:p>
+            <a:r>
+              <a:rPr lang="en-US" sz="1050" dirty="0" smtClean="0">
+                <a:solidFill>
+                  <a:schemeClr val="bg1"/>
+                </a:solidFill>
+                <a:latin typeface="a옛날사진관2" panose="02020600000000000000" pitchFamily="18" charset="-127"/>
+                <a:ea typeface="a옛날사진관2" panose="02020600000000000000" pitchFamily="18" charset="-127"/>
+              </a:rPr>
+              <a:t>20160808</a:t>
+            </a:r>
+          </a:p>
+          <a:p>
+            <a:r>
+              <a:rPr lang="en-US" sz="1050" dirty="0" smtClean="0">
+                <a:solidFill>
+                  <a:schemeClr val="bg1"/>
+                </a:solidFill>
+                <a:latin typeface="a옛날사진관2" panose="02020600000000000000" pitchFamily="18" charset="-127"/>
+                <a:ea typeface="a옛날사진관2" panose="02020600000000000000" pitchFamily="18" charset="-127"/>
+              </a:rPr>
+              <a:t>&lt;</a:t>
+            </a:r>
+            <a:r>
+              <a:rPr lang="ko-KR" altLang="en-US" sz="1050" dirty="0" err="1" smtClean="0">
+                <a:solidFill>
+                  <a:schemeClr val="bg1"/>
+                </a:solidFill>
+                <a:latin typeface="a옛날사진관2" panose="02020600000000000000" pitchFamily="18" charset="-127"/>
+                <a:ea typeface="a옛날사진관2" panose="02020600000000000000" pitchFamily="18" charset="-127"/>
+              </a:rPr>
+              <a:t>붐바야</a:t>
+            </a:r>
+            <a:r>
+              <a:rPr lang="en-US" sz="1050" dirty="0" smtClean="0">
+                <a:solidFill>
+                  <a:schemeClr val="bg1"/>
+                </a:solidFill>
+                <a:latin typeface="a옛날사진관2" panose="02020600000000000000" pitchFamily="18" charset="-127"/>
+                <a:ea typeface="a옛날사진관2" panose="02020600000000000000" pitchFamily="18" charset="-127"/>
+              </a:rPr>
+              <a:t>&gt;</a:t>
+            </a:r>
+          </a:p>
+          <a:p>
+            <a:r>
+              <a:rPr lang="ko-KR" altLang="en-US" sz="1050" dirty="0" err="1" smtClean="0">
+                <a:solidFill>
+                  <a:schemeClr val="bg1"/>
+                </a:solidFill>
+                <a:latin typeface="a옛날사진관2" panose="02020600000000000000" pitchFamily="18" charset="-127"/>
+                <a:ea typeface="a옛날사진관2" panose="02020600000000000000" pitchFamily="18" charset="-127"/>
+              </a:rPr>
+              <a:t>블핑</a:t>
+            </a:r>
+            <a:r>
+              <a:rPr lang="ko-KR" altLang="en-US" sz="1050" dirty="0" smtClean="0">
+                <a:solidFill>
+                  <a:schemeClr val="bg1"/>
+                </a:solidFill>
+                <a:latin typeface="a옛날사진관2" panose="02020600000000000000" pitchFamily="18" charset="-127"/>
+                <a:ea typeface="a옛날사진관2" panose="02020600000000000000" pitchFamily="18" charset="-127"/>
+              </a:rPr>
+              <a:t> 탄신일</a:t>
+            </a:r>
+            <a:endParaRPr lang="en-US" altLang="ko-KR" sz="1050" dirty="0" smtClean="0">
+              <a:solidFill>
+                <a:schemeClr val="bg1"/>
+              </a:solidFill>
+              <a:latin typeface="a옛날사진관2" panose="02020600000000000000" pitchFamily="18" charset="-127"/>
+              <a:ea typeface="a옛날사진관2" panose="02020600000000000000" pitchFamily="18" charset="-127"/>
+            </a:endParaRPr>
+          </a:p>
+        </p:txBody>
+      </p:sp>
+      <p:cxnSp>
+        <p:nvCxnSpPr>
+          <p:cNvPr id="49" name="직선 연결선 48"/>
+          <p:cNvCxnSpPr/>
+          <p:nvPr/>
+        </p:nvCxnSpPr>
+        <p:spPr>
+          <a:xfrm>
+            <a:off x="6881402" y="5791616"/>
+            <a:ext cx="0" cy="600584"/>
+          </a:xfrm>
+          <a:prstGeom prst="line">
+            <a:avLst/>
+          </a:prstGeom>
+          <a:ln>
+            <a:solidFill>
+              <a:schemeClr val="bg1"/>
+            </a:solidFill>
+          </a:ln>
+        </p:spPr>
+        <p:style>
+          <a:lnRef idx="1">
+            <a:schemeClr val="accent1"/>
+          </a:lnRef>
+          <a:fillRef idx="0">
+            <a:schemeClr val="accent1"/>
+          </a:fillRef>
+          <a:effectRef idx="0">
+            <a:schemeClr val="accent1"/>
+          </a:effectRef>
+          <a:fontRef idx="minor">
+            <a:schemeClr val="tx1"/>
+          </a:fontRef>
+        </p:style>
+      </p:cxnSp>
+    </p:spTree>
+    <p:extLst>
+      <p:ext uri="{BB962C8B-B14F-4D97-AF65-F5344CB8AC3E}">
+        <p14:creationId xmlns:p14="http://schemas.microsoft.com/office/powerpoint/2010/main" val="2641827034"/>
+      </p:ext>
+    </p:extLst>
+  </p:cSld>
+  <p:clrMapOvr>
+    <a:masterClrMapping/>
+  </p:clrMapOvr>
+  <p:timing>
+    <p:tnLst>
+      <p:par>
+        <p:cTn id="1" dur="indefinite" restart="never" nodeType="tmRoot"/>
+      </p:par>
+    </p:tnLst>
+  </p:timing>
+</p:sld>
+</file>
+
+<file path=ppt/slides/slide5.xml><?xml version="1.0" encoding="utf-8"?>
+<p:sld xmlns:a="http://schemas.openxmlformats.org/drawingml/2006/main" xmlns:r="http://schemas.openxmlformats.org/officeDocument/2006/relationships" xmlns:p="http://schemas.openxmlformats.org/presentationml/2006/main">
+  <p:cSld>
+    <p:spTree>
+      <p:nvGrpSpPr>
+        <p:cNvPr id="1" name=""/>
+        <p:cNvGrpSpPr/>
+        <p:nvPr/>
+      </p:nvGrpSpPr>
+      <p:grpSpPr>
+        <a:xfrm>
+          <a:off x="0" y="0"/>
+          <a:ext cx="0" cy="0"/>
+          <a:chOff x="0" y="0"/>
+          <a:chExt cx="0" cy="0"/>
+        </a:xfrm>
+      </p:grpSpPr>
+      <p:sp>
+        <p:nvSpPr>
+          <p:cNvPr id="2" name="제목 1"/>
+          <p:cNvSpPr>
+            <a:spLocks noGrp="1"/>
+          </p:cNvSpPr>
+          <p:nvPr>
+            <p:ph type="title"/>
+          </p:nvPr>
+        </p:nvSpPr>
+        <p:spPr>
+          <a:xfrm>
+            <a:off x="838200" y="144871"/>
+            <a:ext cx="10515600" cy="1325563"/>
+          </a:xfrm>
+        </p:spPr>
+        <p:txBody>
+          <a:bodyPr/>
+          <a:lstStyle/>
+          <a:p>
+            <a:r>
+              <a:rPr lang="ko-KR" altLang="en-US" dirty="0" smtClean="0">
+                <a:latin typeface="a옛날사진관3" panose="02020600000000000000" pitchFamily="18" charset="-127"/>
+                <a:ea typeface="a옛날사진관3" panose="02020600000000000000" pitchFamily="18" charset="-127"/>
+              </a:rPr>
+              <a:t>일정</a:t>
+            </a:r>
+            <a:endParaRPr lang="en-US" dirty="0">
+              <a:latin typeface="a옛날사진관3" panose="02020600000000000000" pitchFamily="18" charset="-127"/>
+              <a:ea typeface="a옛날사진관3" panose="02020600000000000000" pitchFamily="18" charset="-127"/>
+            </a:endParaRPr>
+          </a:p>
+        </p:txBody>
+      </p:sp>
+      <p:sp>
+        <p:nvSpPr>
+          <p:cNvPr id="3" name="내용 개체 틀 2"/>
+          <p:cNvSpPr>
+            <a:spLocks noGrp="1"/>
+          </p:cNvSpPr>
+          <p:nvPr>
+            <p:ph idx="1"/>
+          </p:nvPr>
+        </p:nvSpPr>
+        <p:spPr>
+          <a:xfrm>
+            <a:off x="7113600" y="1470434"/>
+            <a:ext cx="4240200" cy="4706529"/>
+          </a:xfrm>
+        </p:spPr>
+        <p:txBody>
+          <a:bodyPr>
+            <a:normAutofit/>
+          </a:bodyPr>
+          <a:lstStyle/>
+          <a:p>
+            <a:pPr>
+              <a:lnSpc>
+                <a:spcPct val="150000"/>
+              </a:lnSpc>
+            </a:pPr>
+            <a:r>
+              <a:rPr lang="en-US" altLang="ko-KR" sz="2000" dirty="0" smtClean="0">
+                <a:latin typeface="a옛날사진관2" panose="02020600000000000000" pitchFamily="18" charset="-127"/>
+                <a:ea typeface="a옛날사진관2" panose="02020600000000000000" pitchFamily="18" charset="-127"/>
+              </a:rPr>
+              <a:t>~4/30 </a:t>
+            </a:r>
+            <a:r>
+              <a:rPr lang="en-US" altLang="ko-KR" sz="2000" dirty="0" err="1" smtClean="0">
+                <a:latin typeface="a옛날사진관2" panose="02020600000000000000" pitchFamily="18" charset="-127"/>
+                <a:ea typeface="a옛날사진관2" panose="02020600000000000000" pitchFamily="18" charset="-127"/>
+              </a:rPr>
+              <a:t>ppt</a:t>
+            </a:r>
+            <a:r>
+              <a:rPr lang="en-US" altLang="ko-KR" sz="2000" dirty="0" smtClean="0">
+                <a:latin typeface="a옛날사진관2" panose="02020600000000000000" pitchFamily="18" charset="-127"/>
+                <a:ea typeface="a옛날사진관2" panose="02020600000000000000" pitchFamily="18" charset="-127"/>
+              </a:rPr>
+              <a:t> Open XML </a:t>
+            </a:r>
+            <a:r>
+              <a:rPr lang="ko-KR" altLang="en-US" sz="2000" dirty="0" smtClean="0">
+                <a:latin typeface="a옛날사진관2" panose="02020600000000000000" pitchFamily="18" charset="-127"/>
+                <a:ea typeface="a옛날사진관2" panose="02020600000000000000" pitchFamily="18" charset="-127"/>
+              </a:rPr>
+              <a:t>형식 파악</a:t>
+            </a:r>
+            <a:endParaRPr lang="en-US" altLang="ko-KR" sz="2000" dirty="0" smtClean="0">
+              <a:latin typeface="a옛날사진관2" panose="02020600000000000000" pitchFamily="18" charset="-127"/>
+              <a:ea typeface="a옛날사진관2" panose="02020600000000000000" pitchFamily="18" charset="-127"/>
+            </a:endParaRPr>
+          </a:p>
+          <a:p>
+            <a:pPr>
+              <a:lnSpc>
+                <a:spcPct val="150000"/>
+              </a:lnSpc>
+            </a:pPr>
+            <a:r>
+              <a:rPr lang="en-US" altLang="ko-KR" sz="2000" dirty="0" smtClean="0">
+                <a:latin typeface="a옛날사진관2" panose="02020600000000000000" pitchFamily="18" charset="-127"/>
+                <a:ea typeface="a옛날사진관2" panose="02020600000000000000" pitchFamily="18" charset="-127"/>
+              </a:rPr>
+              <a:t>~5/9 </a:t>
+            </a:r>
+            <a:r>
+              <a:rPr lang="ko-KR" altLang="en-US" sz="2000" dirty="0" smtClean="0">
+                <a:latin typeface="a옛날사진관2" panose="02020600000000000000" pitchFamily="18" charset="-127"/>
+                <a:ea typeface="a옛날사진관2" panose="02020600000000000000" pitchFamily="18" charset="-127"/>
+              </a:rPr>
+              <a:t>템플릿 구조 처리</a:t>
+            </a:r>
+            <a:r>
+              <a:rPr lang="en-US" altLang="ko-KR" sz="2000" dirty="0" smtClean="0">
+                <a:latin typeface="a옛날사진관2" panose="02020600000000000000" pitchFamily="18" charset="-127"/>
+                <a:ea typeface="a옛날사진관2" panose="02020600000000000000" pitchFamily="18" charset="-127"/>
+              </a:rPr>
+              <a:t>, </a:t>
+            </a:r>
+            <a:r>
+              <a:rPr lang="ko-KR" altLang="en-US" sz="2000" dirty="0" smtClean="0">
+                <a:latin typeface="a옛날사진관2" panose="02020600000000000000" pitchFamily="18" charset="-127"/>
+                <a:ea typeface="a옛날사진관2" panose="02020600000000000000" pitchFamily="18" charset="-127"/>
+              </a:rPr>
+              <a:t>기본 폼 제작</a:t>
+            </a:r>
+            <a:endParaRPr lang="en-US" altLang="ko-KR" sz="2000" dirty="0" smtClean="0">
+              <a:latin typeface="a옛날사진관2" panose="02020600000000000000" pitchFamily="18" charset="-127"/>
+              <a:ea typeface="a옛날사진관2" panose="02020600000000000000" pitchFamily="18" charset="-127"/>
+            </a:endParaRPr>
+          </a:p>
+          <a:p>
+            <a:pPr>
+              <a:lnSpc>
+                <a:spcPct val="150000"/>
+              </a:lnSpc>
+            </a:pPr>
+            <a:r>
+              <a:rPr lang="en-US" altLang="ko-KR" sz="2000" dirty="0" smtClean="0">
+                <a:latin typeface="a옛날사진관2" panose="02020600000000000000" pitchFamily="18" charset="-127"/>
+                <a:ea typeface="a옛날사진관2" panose="02020600000000000000" pitchFamily="18" charset="-127"/>
+              </a:rPr>
+              <a:t>~5/23 </a:t>
+            </a:r>
+            <a:r>
+              <a:rPr lang="ko-KR" altLang="en-US" sz="2000" dirty="0" smtClean="0">
+                <a:latin typeface="a옛날사진관2" panose="02020600000000000000" pitchFamily="18" charset="-127"/>
+                <a:ea typeface="a옛날사진관2" panose="02020600000000000000" pitchFamily="18" charset="-127"/>
+              </a:rPr>
+              <a:t>메인 프로그램 제작</a:t>
+            </a:r>
+            <a:endParaRPr lang="en-US" altLang="ko-KR" sz="2000" dirty="0" smtClean="0">
+              <a:latin typeface="a옛날사진관2" panose="02020600000000000000" pitchFamily="18" charset="-127"/>
+              <a:ea typeface="a옛날사진관2" panose="02020600000000000000" pitchFamily="18" charset="-127"/>
+            </a:endParaRPr>
+          </a:p>
+          <a:p>
+            <a:pPr>
+              <a:lnSpc>
+                <a:spcPct val="150000"/>
+              </a:lnSpc>
+            </a:pPr>
+            <a:r>
+              <a:rPr lang="en-US" altLang="ko-KR" sz="2000" dirty="0" smtClean="0">
+                <a:latin typeface="a옛날사진관2" panose="02020600000000000000" pitchFamily="18" charset="-127"/>
+                <a:ea typeface="a옛날사진관2" panose="02020600000000000000" pitchFamily="18" charset="-127"/>
+              </a:rPr>
+              <a:t>~6/7 </a:t>
+            </a:r>
+            <a:r>
+              <a:rPr lang="ko-KR" altLang="en-US" sz="2000" dirty="0" smtClean="0">
+                <a:latin typeface="a옛날사진관2" panose="02020600000000000000" pitchFamily="18" charset="-127"/>
+                <a:ea typeface="a옛날사진관2" panose="02020600000000000000" pitchFamily="18" charset="-127"/>
+              </a:rPr>
+              <a:t>디버깅</a:t>
+            </a:r>
+            <a:endParaRPr lang="en-US" altLang="ko-KR" sz="2000" dirty="0" smtClean="0">
+              <a:latin typeface="a옛날사진관2" panose="02020600000000000000" pitchFamily="18" charset="-127"/>
+              <a:ea typeface="a옛날사진관2" panose="02020600000000000000" pitchFamily="18" charset="-127"/>
+            </a:endParaRPr>
+          </a:p>
+        </p:txBody>
+      </p:sp>
+      <p:pic>
+        <p:nvPicPr>
+          <p:cNvPr id="4" name="그림 3"/>
+          <p:cNvPicPr>
+            <a:picLocks noChangeAspect="1"/>
+          </p:cNvPicPr>
+          <p:nvPr/>
+        </p:nvPicPr>
+        <p:blipFill rotWithShape="1">
+          <a:blip r:embed="rId2"/>
+          <a:srcRect t="66837"/>
+          <a:stretch/>
+        </p:blipFill>
+        <p:spPr>
+          <a:xfrm>
+            <a:off x="838200" y="1208288"/>
+            <a:ext cx="5764312" cy="1612987"/>
+          </a:xfrm>
+          <a:prstGeom prst="rect">
+            <a:avLst/>
+          </a:prstGeom>
+        </p:spPr>
+      </p:pic>
+      <p:pic>
+        <p:nvPicPr>
+          <p:cNvPr id="5" name="그림 4"/>
+          <p:cNvPicPr>
+            <a:picLocks noChangeAspect="1"/>
+          </p:cNvPicPr>
+          <p:nvPr/>
+        </p:nvPicPr>
+        <p:blipFill rotWithShape="1">
+          <a:blip r:embed="rId3"/>
+          <a:srcRect t="20566"/>
+          <a:stretch/>
+        </p:blipFill>
+        <p:spPr>
+          <a:xfrm>
+            <a:off x="838201" y="2821275"/>
+            <a:ext cx="5764311" cy="3152949"/>
+          </a:xfrm>
+          <a:prstGeom prst="rect">
+            <a:avLst/>
+          </a:prstGeom>
+        </p:spPr>
+      </p:pic>
+      <p:pic>
+        <p:nvPicPr>
+          <p:cNvPr id="6" name="그림 5"/>
+          <p:cNvPicPr>
+            <a:picLocks noChangeAspect="1"/>
+          </p:cNvPicPr>
+          <p:nvPr/>
+        </p:nvPicPr>
+        <p:blipFill rotWithShape="1">
+          <a:blip r:embed="rId4"/>
+          <a:srcRect b="47838"/>
+          <a:stretch/>
+        </p:blipFill>
+        <p:spPr>
+          <a:xfrm>
+            <a:off x="838200" y="5974225"/>
+            <a:ext cx="5764312" cy="808176"/>
+          </a:xfrm>
+          <a:prstGeom prst="rect">
+            <a:avLst/>
+          </a:prstGeom>
+        </p:spPr>
+      </p:pic>
+      <p:sp>
+        <p:nvSpPr>
+          <p:cNvPr id="7" name="도넛 6"/>
+          <p:cNvSpPr/>
+          <p:nvPr/>
+        </p:nvSpPr>
+        <p:spPr>
+          <a:xfrm>
+            <a:off x="4989600" y="5974224"/>
+            <a:ext cx="712800" cy="712800"/>
+          </a:xfrm>
+          <a:prstGeom prst="donut">
+            <a:avLst>
+              <a:gd name="adj" fmla="val 13182"/>
+            </a:avLst>
+          </a:prstGeom>
+          <a:solidFill>
+            <a:srgbClr val="FF0000"/>
+          </a:solidFill>
+          <a:ln>
+            <a:noFill/>
+          </a:ln>
+        </p:spPr>
+        <p:style>
+          <a:lnRef idx="2">
+            <a:schemeClr val="accent1">
+              <a:shade val="50000"/>
+            </a:schemeClr>
+          </a:lnRef>
+          <a:fillRef idx="1">
+            <a:schemeClr val="accent1"/>
+          </a:fillRef>
+          <a:effectRef idx="0">
+            <a:schemeClr val="accent1"/>
+          </a:effectRef>
+          <a:fontRef idx="minor">
+            <a:schemeClr val="lt1"/>
+          </a:fontRef>
+        </p:style>
+        <p:txBody>
+          <a:bodyPr rtlCol="0" anchor="ctr"/>
+          <a:lstStyle/>
+          <a:p>
+            <a:pPr algn="ctr"/>
+            <a:endParaRPr lang="en-US">
+              <a:solidFill>
+                <a:schemeClr val="tx1"/>
+              </a:solidFill>
+            </a:endParaRPr>
+          </a:p>
+        </p:txBody>
+      </p:sp>
+      <p:sp>
+        <p:nvSpPr>
+          <p:cNvPr id="8" name="도넛 7"/>
+          <p:cNvSpPr/>
+          <p:nvPr/>
+        </p:nvSpPr>
+        <p:spPr>
+          <a:xfrm>
+            <a:off x="4191600" y="5974224"/>
+            <a:ext cx="712800" cy="712800"/>
+          </a:xfrm>
+          <a:prstGeom prst="donut">
+            <a:avLst>
+              <a:gd name="adj" fmla="val 13182"/>
+            </a:avLst>
+          </a:prstGeom>
+          <a:solidFill>
+            <a:srgbClr val="FF0000"/>
+          </a:solidFill>
+          <a:ln>
+            <a:noFill/>
+          </a:ln>
+        </p:spPr>
+        <p:style>
+          <a:lnRef idx="2">
+            <a:schemeClr val="accent1">
+              <a:shade val="50000"/>
+            </a:schemeClr>
+          </a:lnRef>
+          <a:fillRef idx="1">
+            <a:schemeClr val="accent1"/>
+          </a:fillRef>
+          <a:effectRef idx="0">
+            <a:schemeClr val="accent1"/>
+          </a:effectRef>
+          <a:fontRef idx="minor">
+            <a:schemeClr val="lt1"/>
+          </a:fontRef>
+        </p:style>
+        <p:txBody>
+          <a:bodyPr rtlCol="0" anchor="ctr"/>
+          <a:lstStyle/>
+          <a:p>
+            <a:pPr algn="ctr"/>
+            <a:endParaRPr lang="en-US">
+              <a:solidFill>
+                <a:schemeClr val="tx1"/>
+              </a:solidFill>
+            </a:endParaRPr>
+          </a:p>
+        </p:txBody>
+      </p:sp>
+      <p:sp>
+        <p:nvSpPr>
+          <p:cNvPr id="9" name="도넛 8"/>
+          <p:cNvSpPr/>
+          <p:nvPr/>
+        </p:nvSpPr>
+        <p:spPr>
+          <a:xfrm>
+            <a:off x="4191600" y="4458494"/>
+            <a:ext cx="712800" cy="712800"/>
+          </a:xfrm>
+          <a:prstGeom prst="donut">
+            <a:avLst>
+              <a:gd name="adj" fmla="val 13182"/>
+            </a:avLst>
+          </a:prstGeom>
+          <a:solidFill>
+            <a:srgbClr val="FF0000"/>
+          </a:solidFill>
+          <a:ln>
+            <a:noFill/>
+          </a:ln>
+        </p:spPr>
+        <p:style>
+          <a:lnRef idx="2">
+            <a:schemeClr val="accent1">
+              <a:shade val="50000"/>
+            </a:schemeClr>
+          </a:lnRef>
+          <a:fillRef idx="1">
+            <a:schemeClr val="accent1"/>
+          </a:fillRef>
+          <a:effectRef idx="0">
+            <a:schemeClr val="accent1"/>
+          </a:effectRef>
+          <a:fontRef idx="minor">
+            <a:schemeClr val="lt1"/>
+          </a:fontRef>
+        </p:style>
+        <p:txBody>
+          <a:bodyPr rtlCol="0" anchor="ctr"/>
+          <a:lstStyle/>
+          <a:p>
+            <a:pPr algn="ctr"/>
+            <a:endParaRPr lang="en-US">
+              <a:solidFill>
+                <a:schemeClr val="tx1"/>
+              </a:solidFill>
+            </a:endParaRPr>
+          </a:p>
+        </p:txBody>
+      </p:sp>
+      <p:sp>
+        <p:nvSpPr>
+          <p:cNvPr id="10" name="이등변 삼각형 9"/>
+          <p:cNvSpPr/>
+          <p:nvPr/>
+        </p:nvSpPr>
+        <p:spPr>
+          <a:xfrm>
+            <a:off x="5855816" y="1360030"/>
+            <a:ext cx="668160" cy="576000"/>
+          </a:xfrm>
+          <a:prstGeom prst="triangle">
+            <a:avLst/>
+          </a:prstGeom>
+          <a:solidFill>
+            <a:srgbClr val="0070C0"/>
+          </a:solidFill>
+          <a:ln>
+            <a:noFill/>
+          </a:ln>
+        </p:spPr>
+        <p:style>
+          <a:lnRef idx="2">
+            <a:schemeClr val="accent1">
+              <a:shade val="50000"/>
+            </a:schemeClr>
+          </a:lnRef>
+          <a:fillRef idx="1">
+            <a:schemeClr val="accent1"/>
+          </a:fillRef>
+          <a:effectRef idx="0">
+            <a:schemeClr val="accent1"/>
+          </a:effectRef>
+          <a:fontRef idx="minor">
+            <a:schemeClr val="lt1"/>
+          </a:fontRef>
+        </p:style>
+        <p:txBody>
+          <a:bodyPr rtlCol="0" anchor="ctr"/>
+          <a:lstStyle/>
+          <a:p>
+            <a:pPr algn="ctr"/>
+            <a:endParaRPr lang="en-US"/>
+          </a:p>
+        </p:txBody>
+      </p:sp>
+      <p:sp>
+        <p:nvSpPr>
+          <p:cNvPr id="11" name="직사각형 10"/>
+          <p:cNvSpPr/>
+          <p:nvPr/>
+        </p:nvSpPr>
+        <p:spPr>
+          <a:xfrm>
+            <a:off x="5085692" y="3054514"/>
+            <a:ext cx="1379908" cy="388800"/>
+          </a:xfrm>
+          <a:prstGeom prst="rect">
+            <a:avLst/>
+          </a:prstGeom>
+          <a:solidFill>
+            <a:srgbClr val="FFC000"/>
+          </a:solidFill>
+          <a:ln>
+            <a:noFill/>
+          </a:ln>
+        </p:spPr>
+        <p:style>
+          <a:lnRef idx="2">
+            <a:schemeClr val="accent1">
+              <a:shade val="50000"/>
+            </a:schemeClr>
+          </a:lnRef>
+          <a:fillRef idx="1">
+            <a:schemeClr val="accent1"/>
+          </a:fillRef>
+          <a:effectRef idx="0">
+            <a:schemeClr val="accent1"/>
+          </a:effectRef>
+          <a:fontRef idx="minor">
+            <a:schemeClr val="lt1"/>
+          </a:fontRef>
+        </p:style>
+        <p:txBody>
+          <a:bodyPr rtlCol="0" anchor="ctr"/>
+          <a:lstStyle/>
+          <a:p>
+            <a:pPr algn="ctr"/>
+            <a:endParaRPr lang="en-US"/>
+          </a:p>
+        </p:txBody>
+      </p:sp>
+      <p:sp>
+        <p:nvSpPr>
+          <p:cNvPr id="12" name="직사각형 11"/>
+          <p:cNvSpPr/>
+          <p:nvPr/>
+        </p:nvSpPr>
+        <p:spPr>
+          <a:xfrm>
+            <a:off x="2667692" y="3849747"/>
+            <a:ext cx="3797908" cy="388800"/>
+          </a:xfrm>
+          <a:prstGeom prst="rect">
+            <a:avLst/>
+          </a:prstGeom>
+          <a:solidFill>
+            <a:srgbClr val="FFC000"/>
+          </a:solidFill>
+          <a:ln>
+            <a:noFill/>
+          </a:ln>
+        </p:spPr>
+        <p:style>
+          <a:lnRef idx="2">
+            <a:schemeClr val="accent1">
+              <a:shade val="50000"/>
+            </a:schemeClr>
+          </a:lnRef>
+          <a:fillRef idx="1">
+            <a:schemeClr val="accent1"/>
+          </a:fillRef>
+          <a:effectRef idx="0">
+            <a:schemeClr val="accent1"/>
+          </a:effectRef>
+          <a:fontRef idx="minor">
+            <a:schemeClr val="lt1"/>
+          </a:fontRef>
+        </p:style>
+        <p:txBody>
+          <a:bodyPr rtlCol="0" anchor="ctr"/>
+          <a:lstStyle/>
+          <a:p>
+            <a:pPr algn="ctr"/>
+            <a:endParaRPr lang="en-US"/>
+          </a:p>
+        </p:txBody>
+      </p:sp>
+      <p:sp>
+        <p:nvSpPr>
+          <p:cNvPr id="13" name="직사각형 12"/>
+          <p:cNvSpPr/>
+          <p:nvPr/>
+        </p:nvSpPr>
+        <p:spPr>
+          <a:xfrm>
+            <a:off x="1059570" y="4681169"/>
+            <a:ext cx="2088020" cy="388800"/>
+          </a:xfrm>
+          <a:prstGeom prst="rect">
+            <a:avLst/>
+          </a:prstGeom>
+          <a:solidFill>
+            <a:srgbClr val="FFC000"/>
+          </a:solidFill>
+          <a:ln>
+            <a:noFill/>
+          </a:ln>
+        </p:spPr>
+        <p:style>
+          <a:lnRef idx="2">
+            <a:schemeClr val="accent1">
+              <a:shade val="50000"/>
+            </a:schemeClr>
+          </a:lnRef>
+          <a:fillRef idx="1">
+            <a:schemeClr val="accent1"/>
+          </a:fillRef>
+          <a:effectRef idx="0">
+            <a:schemeClr val="accent1"/>
+          </a:effectRef>
+          <a:fontRef idx="minor">
+            <a:schemeClr val="lt1"/>
+          </a:fontRef>
+        </p:style>
+        <p:txBody>
+          <a:bodyPr rtlCol="0" anchor="ctr"/>
+          <a:lstStyle/>
+          <a:p>
+            <a:pPr algn="ctr"/>
+            <a:endParaRPr lang="en-US"/>
+          </a:p>
+        </p:txBody>
+      </p:sp>
     </p:spTree>
     <p:extLst>
       <p:ext uri="{BB962C8B-B14F-4D97-AF65-F5344CB8AC3E}">
@@ -4177,6 +6104,13 @@
   <p:clrMapOvr>
     <a:masterClrMapping/>
   </p:clrMapOvr>
+  <p:timing>
+    <p:tnLst>
+      <p:par>
+        <p:cTn id="1" dur="indefinite" restart="never" nodeType="tmRoot"/>
+      </p:par>
+    </p:tnLst>
+  </p:timing>
 </p:sld>
 </file>
 
